--- a/Junior_ex3/ex3_下書き.pptx
+++ b/Junior_ex3/ex3_下書き.pptx
@@ -25,15 +25,15 @@
     <p:sldId id="275" r:id="rId16"/>
     <p:sldId id="276" r:id="rId17"/>
     <p:sldId id="277" r:id="rId18"/>
-    <p:sldId id="278" r:id="rId19"/>
-    <p:sldId id="279" r:id="rId20"/>
-    <p:sldId id="280" r:id="rId21"/>
-    <p:sldId id="281" r:id="rId22"/>
-    <p:sldId id="261" r:id="rId23"/>
-    <p:sldId id="264" r:id="rId24"/>
+    <p:sldId id="283" r:id="rId19"/>
+    <p:sldId id="278" r:id="rId20"/>
+    <p:sldId id="279" r:id="rId21"/>
+    <p:sldId id="280" r:id="rId22"/>
+    <p:sldId id="282" r:id="rId23"/>
+    <p:sldId id="281" r:id="rId24"/>
   </p:sldIdLst>
   <p:sldSz cx="9144000" cy="6858000" type="screen4x3"/>
-  <p:notesSz cx="6858000" cy="9144000"/>
+  <p:notesSz cx="6797675" cy="9926638"/>
   <p:defaultTextStyle>
     <a:defPPr>
       <a:defRPr lang="ja-JP"/>
@@ -216,7 +216,7 @@
         <p:spPr bwMode="auto">
           <a:xfrm>
             <a:off x="0" y="0"/>
-            <a:ext cx="2971800" cy="457200"/>
+            <a:ext cx="2945659" cy="496332"/>
           </a:xfrm>
           <a:prstGeom prst="rect">
             <a:avLst/>
@@ -263,8 +263,8 @@
         </p:nvSpPr>
         <p:spPr bwMode="auto">
           <a:xfrm>
-            <a:off x="3884613" y="0"/>
-            <a:ext cx="2971800" cy="457200"/>
+            <a:off x="3850443" y="0"/>
+            <a:ext cx="2945659" cy="496332"/>
           </a:xfrm>
           <a:prstGeom prst="rect">
             <a:avLst/>
@@ -311,8 +311,8 @@
         </p:nvSpPr>
         <p:spPr bwMode="auto">
           <a:xfrm>
-            <a:off x="1143000" y="685800"/>
-            <a:ext cx="4572000" cy="3429000"/>
+            <a:off x="917575" y="744538"/>
+            <a:ext cx="4962525" cy="3722687"/>
           </a:xfrm>
           <a:prstGeom prst="rect">
             <a:avLst/>
@@ -349,8 +349,8 @@
         </p:nvSpPr>
         <p:spPr bwMode="auto">
           <a:xfrm>
-            <a:off x="685800" y="4343400"/>
-            <a:ext cx="5486400" cy="4114800"/>
+            <a:off x="679768" y="4715153"/>
+            <a:ext cx="5438140" cy="4466987"/>
           </a:xfrm>
           <a:prstGeom prst="rect">
             <a:avLst/>
@@ -452,8 +452,8 @@
         </p:nvSpPr>
         <p:spPr bwMode="auto">
           <a:xfrm>
-            <a:off x="0" y="8685213"/>
-            <a:ext cx="2971800" cy="457200"/>
+            <a:off x="0" y="9428583"/>
+            <a:ext cx="2945659" cy="496332"/>
           </a:xfrm>
           <a:prstGeom prst="rect">
             <a:avLst/>
@@ -500,8 +500,8 @@
         </p:nvSpPr>
         <p:spPr bwMode="auto">
           <a:xfrm>
-            <a:off x="3884613" y="8685213"/>
-            <a:ext cx="2971800" cy="457200"/>
+            <a:off x="3850443" y="9428583"/>
+            <a:ext cx="2945659" cy="496332"/>
           </a:xfrm>
           <a:prstGeom prst="rect">
             <a:avLst/>
@@ -9951,28 +9951,9 @@
           <a:bodyPr/>
           <a:lstStyle/>
           <a:p>
-            <a:endParaRPr kumimoji="1" lang="ja-JP" altLang="en-US"/>
-          </a:p>
-        </p:txBody>
-      </p:sp>
-      <p:sp>
-        <p:nvSpPr>
-          <p:cNvPr id="3" name="テキスト プレースホルダー 2"/>
-          <p:cNvSpPr>
-            <a:spLocks noGrp="1"/>
-          </p:cNvSpPr>
-          <p:nvPr>
-            <p:ph type="body" idx="1"/>
-          </p:nvPr>
-        </p:nvSpPr>
-        <p:spPr/>
-        <p:txBody>
-          <a:bodyPr/>
-          <a:lstStyle/>
-          <a:p>
-            <a:r>
-              <a:rPr kumimoji="1" lang="ja-JP" altLang="en-US" dirty="0" smtClean="0"/>
-              <a:t>ファジィ識別器の最適化</a:t>
+            <a:r>
+              <a:rPr lang="ja-JP" altLang="en-US" dirty="0" smtClean="0"/>
+              <a:t>結果（最適でないかも）</a:t>
             </a:r>
             <a:endParaRPr kumimoji="1" lang="ja-JP" altLang="en-US" dirty="0"/>
           </a:p>
@@ -9981,7 +9962,7 @@
     </p:spTree>
     <p:extLst>
       <p:ext uri="{BB962C8B-B14F-4D97-AF65-F5344CB8AC3E}">
-        <p14:creationId xmlns:p14="http://schemas.microsoft.com/office/powerpoint/2010/main" val="1642604961"/>
+        <p14:creationId xmlns:p14="http://schemas.microsoft.com/office/powerpoint/2010/main" val="1354844762"/>
       </p:ext>
     </p:extLst>
   </p:cSld>
@@ -10023,6 +10004,78 @@
           <a:bodyPr/>
           <a:lstStyle/>
           <a:p>
+            <a:endParaRPr kumimoji="1" lang="ja-JP" altLang="en-US"/>
+          </a:p>
+        </p:txBody>
+      </p:sp>
+      <p:sp>
+        <p:nvSpPr>
+          <p:cNvPr id="3" name="テキスト プレースホルダー 2"/>
+          <p:cNvSpPr>
+            <a:spLocks noGrp="1"/>
+          </p:cNvSpPr>
+          <p:nvPr>
+            <p:ph type="body" idx="1"/>
+          </p:nvPr>
+        </p:nvSpPr>
+        <p:spPr/>
+        <p:txBody>
+          <a:bodyPr/>
+          <a:lstStyle/>
+          <a:p>
+            <a:r>
+              <a:rPr kumimoji="1" lang="ja-JP" altLang="en-US" dirty="0" smtClean="0"/>
+              <a:t>ファジィ識別器の最適化</a:t>
+            </a:r>
+            <a:endParaRPr kumimoji="1" lang="ja-JP" altLang="en-US" dirty="0"/>
+          </a:p>
+        </p:txBody>
+      </p:sp>
+    </p:spTree>
+    <p:extLst>
+      <p:ext uri="{BB962C8B-B14F-4D97-AF65-F5344CB8AC3E}">
+        <p14:creationId xmlns:p14="http://schemas.microsoft.com/office/powerpoint/2010/main" val="1642604961"/>
+      </p:ext>
+    </p:extLst>
+  </p:cSld>
+  <p:clrMapOvr>
+    <a:masterClrMapping/>
+  </p:clrMapOvr>
+</p:sld>
+</file>
+
+<file path=ppt/slides/slide19.xml><?xml version="1.0" encoding="utf-8"?>
+<p:sld xmlns:a="http://schemas.openxmlformats.org/drawingml/2006/main" xmlns:r="http://schemas.openxmlformats.org/officeDocument/2006/relationships" xmlns:p="http://schemas.openxmlformats.org/presentationml/2006/main">
+  <p:cSld>
+    <p:spTree>
+      <p:nvGrpSpPr>
+        <p:cNvPr id="1" name=""/>
+        <p:cNvGrpSpPr/>
+        <p:nvPr/>
+      </p:nvGrpSpPr>
+      <p:grpSpPr>
+        <a:xfrm>
+          <a:off x="0" y="0"/>
+          <a:ext cx="0" cy="0"/>
+          <a:chOff x="0" y="0"/>
+          <a:chExt cx="0" cy="0"/>
+        </a:xfrm>
+      </p:grpSpPr>
+      <p:sp>
+        <p:nvSpPr>
+          <p:cNvPr id="2" name="タイトル 1"/>
+          <p:cNvSpPr>
+            <a:spLocks noGrp="1"/>
+          </p:cNvSpPr>
+          <p:nvPr>
+            <p:ph type="title"/>
+          </p:nvPr>
+        </p:nvSpPr>
+        <p:spPr/>
+        <p:txBody>
+          <a:bodyPr/>
+          <a:lstStyle/>
+          <a:p>
             <a:r>
               <a:rPr kumimoji="1" lang="ja-JP" altLang="en-US" dirty="0" smtClean="0"/>
               <a:t>求められる識別器</a:t>
@@ -10078,7 +10131,7 @@
         <p:spPr>
           <a:xfrm>
             <a:off x="610629" y="1664732"/>
-            <a:ext cx="2121093" cy="923330"/>
+            <a:ext cx="7111242" cy="923330"/>
           </a:xfrm>
           <a:prstGeom prst="rect">
             <a:avLst/>
@@ -10100,7 +10153,11 @@
           <a:p>
             <a:r>
               <a:rPr lang="ja-JP" altLang="en-US" dirty="0" smtClean="0"/>
-              <a:t>② 解釈性能の高さ</a:t>
+              <a:t>② 解釈性能の</a:t>
+            </a:r>
+            <a:r>
+              <a:rPr lang="ja-JP" altLang="en-US" dirty="0" smtClean="0"/>
+              <a:t>高さ　＝　得られた識別器の人間にとっての理解しやすさ</a:t>
             </a:r>
             <a:endParaRPr kumimoji="1" lang="en-US" altLang="ja-JP" dirty="0" smtClean="0"/>
           </a:p>
@@ -10567,107 +10624,6 @@
 </p:sld>
 </file>
 
-<file path=ppt/slides/slide19.xml><?xml version="1.0" encoding="utf-8"?>
-<p:sld xmlns:a="http://schemas.openxmlformats.org/drawingml/2006/main" xmlns:r="http://schemas.openxmlformats.org/officeDocument/2006/relationships" xmlns:p="http://schemas.openxmlformats.org/presentationml/2006/main">
-  <p:cSld>
-    <p:spTree>
-      <p:nvGrpSpPr>
-        <p:cNvPr id="1" name=""/>
-        <p:cNvGrpSpPr/>
-        <p:nvPr/>
-      </p:nvGrpSpPr>
-      <p:grpSpPr>
-        <a:xfrm>
-          <a:off x="0" y="0"/>
-          <a:ext cx="0" cy="0"/>
-          <a:chOff x="0" y="0"/>
-          <a:chExt cx="0" cy="0"/>
-        </a:xfrm>
-      </p:grpSpPr>
-      <p:sp>
-        <p:nvSpPr>
-          <p:cNvPr id="2" name="タイトル 1"/>
-          <p:cNvSpPr>
-            <a:spLocks noGrp="1"/>
-          </p:cNvSpPr>
-          <p:nvPr>
-            <p:ph type="title"/>
-          </p:nvPr>
-        </p:nvSpPr>
-        <p:spPr/>
-        <p:txBody>
-          <a:bodyPr/>
-          <a:lstStyle/>
-          <a:p>
-            <a:r>
-              <a:rPr kumimoji="1" lang="ja-JP" altLang="en-US" dirty="0" smtClean="0"/>
-              <a:t>最適化する目的関数</a:t>
-            </a:r>
-            <a:endParaRPr kumimoji="1" lang="ja-JP" altLang="en-US" dirty="0"/>
-          </a:p>
-        </p:txBody>
-      </p:sp>
-      <p:sp>
-        <p:nvSpPr>
-          <p:cNvPr id="3" name="テキスト ボックス 2"/>
-          <p:cNvSpPr txBox="1"/>
-          <p:nvPr/>
-        </p:nvSpPr>
-        <p:spPr>
-          <a:xfrm>
-            <a:off x="610629" y="1664732"/>
-            <a:ext cx="3554178" cy="923330"/>
-          </a:xfrm>
-          <a:prstGeom prst="rect">
-            <a:avLst/>
-          </a:prstGeom>
-          <a:noFill/>
-        </p:spPr>
-        <p:txBody>
-          <a:bodyPr wrap="none" rtlCol="0">
-            <a:spAutoFit/>
-          </a:bodyPr>
-          <a:lstStyle/>
-          <a:p>
-            <a:r>
-              <a:rPr kumimoji="1" lang="ja-JP" altLang="en-US" dirty="0" smtClean="0"/>
-              <a:t>① 識別</a:t>
-            </a:r>
-            <a:r>
-              <a:rPr lang="ja-JP" altLang="en-US" dirty="0" smtClean="0"/>
-              <a:t>率が高いほうが良い</a:t>
-            </a:r>
-            <a:endParaRPr kumimoji="1" lang="en-US" altLang="ja-JP" dirty="0" smtClean="0"/>
-          </a:p>
-          <a:p>
-            <a:r>
-              <a:rPr lang="ja-JP" altLang="en-US" dirty="0" smtClean="0"/>
-              <a:t>② ルール数は少ないほうが良い</a:t>
-            </a:r>
-            <a:endParaRPr kumimoji="1" lang="en-US" altLang="ja-JP" dirty="0" smtClean="0"/>
-          </a:p>
-          <a:p>
-            <a:r>
-              <a:rPr lang="ja-JP" altLang="en-US" dirty="0" smtClean="0"/>
-              <a:t>③ 総ルール長は少ないほうが良い</a:t>
-            </a:r>
-            <a:endParaRPr lang="en-US" altLang="ja-JP" dirty="0" smtClean="0"/>
-          </a:p>
-        </p:txBody>
-      </p:sp>
-    </p:spTree>
-    <p:extLst>
-      <p:ext uri="{BB962C8B-B14F-4D97-AF65-F5344CB8AC3E}">
-        <p14:creationId xmlns:p14="http://schemas.microsoft.com/office/powerpoint/2010/main" val="993334330"/>
-      </p:ext>
-    </p:extLst>
-  </p:cSld>
-  <p:clrMapOvr>
-    <a:masterClrMapping/>
-  </p:clrMapOvr>
-</p:sld>
-</file>
-
 <file path=ppt/slides/slide2.xml><?xml version="1.0" encoding="utf-8"?>
 <p:sld xmlns:a="http://schemas.openxmlformats.org/drawingml/2006/main" xmlns:r="http://schemas.openxmlformats.org/officeDocument/2006/relationships" xmlns:p="http://schemas.openxmlformats.org/presentationml/2006/main">
   <p:cSld>
@@ -10766,14 +10722,476 @@
           <a:bodyPr/>
           <a:lstStyle/>
           <a:p>
-            <a:endParaRPr kumimoji="1" lang="ja-JP" altLang="en-US"/>
+            <a:r>
+              <a:rPr kumimoji="1" lang="ja-JP" altLang="en-US" dirty="0" smtClean="0"/>
+              <a:t>最適化する目的関数</a:t>
+            </a:r>
+            <a:endParaRPr kumimoji="1" lang="ja-JP" altLang="en-US" dirty="0"/>
           </a:p>
         </p:txBody>
       </p:sp>
+      <p:sp>
+        <p:nvSpPr>
+          <p:cNvPr id="3" name="テキスト ボックス 2"/>
+          <p:cNvSpPr txBox="1"/>
+          <p:nvPr/>
+        </p:nvSpPr>
+        <p:spPr>
+          <a:xfrm>
+            <a:off x="610629" y="1664732"/>
+            <a:ext cx="3554178" cy="923330"/>
+          </a:xfrm>
+          <a:prstGeom prst="rect">
+            <a:avLst/>
+          </a:prstGeom>
+          <a:noFill/>
+        </p:spPr>
+        <p:txBody>
+          <a:bodyPr wrap="none" rtlCol="0">
+            <a:spAutoFit/>
+          </a:bodyPr>
+          <a:lstStyle/>
+          <a:p>
+            <a:r>
+              <a:rPr kumimoji="1" lang="ja-JP" altLang="en-US" dirty="0" smtClean="0"/>
+              <a:t>① 識別</a:t>
+            </a:r>
+            <a:r>
+              <a:rPr lang="ja-JP" altLang="en-US" dirty="0" smtClean="0"/>
+              <a:t>率が高いほうが良い</a:t>
+            </a:r>
+            <a:endParaRPr kumimoji="1" lang="en-US" altLang="ja-JP" dirty="0" smtClean="0"/>
+          </a:p>
+          <a:p>
+            <a:r>
+              <a:rPr lang="ja-JP" altLang="en-US" dirty="0" smtClean="0"/>
+              <a:t>② ルール数は少ないほうが良い</a:t>
+            </a:r>
+            <a:endParaRPr kumimoji="1" lang="en-US" altLang="ja-JP" dirty="0" smtClean="0"/>
+          </a:p>
+          <a:p>
+            <a:r>
+              <a:rPr lang="ja-JP" altLang="en-US" dirty="0" smtClean="0"/>
+              <a:t>③ 総ルール長は少ないほうが良い</a:t>
+            </a:r>
+            <a:endParaRPr lang="en-US" altLang="ja-JP" dirty="0" smtClean="0"/>
+          </a:p>
+        </p:txBody>
+      </p:sp>
+      <p:sp>
+        <p:nvSpPr>
+          <p:cNvPr id="4" name="正方形/長方形 3"/>
+          <p:cNvSpPr/>
+          <p:nvPr/>
+        </p:nvSpPr>
+        <p:spPr>
+          <a:xfrm>
+            <a:off x="3000438" y="3821668"/>
+            <a:ext cx="877163" cy="369332"/>
+          </a:xfrm>
+          <a:prstGeom prst="rect">
+            <a:avLst/>
+          </a:prstGeom>
+          <a:ln>
+            <a:solidFill>
+              <a:schemeClr val="accent2"/>
+            </a:solidFill>
+          </a:ln>
+        </p:spPr>
+        <p:txBody>
+          <a:bodyPr wrap="none">
+            <a:spAutoFit/>
+          </a:bodyPr>
+          <a:lstStyle/>
+          <a:p>
+            <a:r>
+              <a:rPr lang="ja-JP" altLang="en-US" dirty="0" smtClean="0"/>
+              <a:t>識別率</a:t>
+            </a:r>
+            <a:endParaRPr lang="ja-JP" altLang="en-US" dirty="0"/>
+          </a:p>
+        </p:txBody>
+      </p:sp>
+      <p:sp>
+        <p:nvSpPr>
+          <p:cNvPr id="5" name="正方形/長方形 4"/>
+          <p:cNvSpPr/>
+          <p:nvPr/>
+        </p:nvSpPr>
+        <p:spPr>
+          <a:xfrm>
+            <a:off x="4645614" y="3821668"/>
+            <a:ext cx="1098378" cy="369332"/>
+          </a:xfrm>
+          <a:prstGeom prst="rect">
+            <a:avLst/>
+          </a:prstGeom>
+          <a:ln>
+            <a:solidFill>
+              <a:schemeClr val="accent2"/>
+            </a:solidFill>
+          </a:ln>
+        </p:spPr>
+        <p:txBody>
+          <a:bodyPr wrap="none">
+            <a:spAutoFit/>
+          </a:bodyPr>
+          <a:lstStyle/>
+          <a:p>
+            <a:r>
+              <a:rPr lang="ja-JP" altLang="en-US" dirty="0" smtClean="0"/>
+              <a:t>ルール数</a:t>
+            </a:r>
+            <a:endParaRPr lang="ja-JP" altLang="en-US" dirty="0"/>
+          </a:p>
+        </p:txBody>
+      </p:sp>
+      <p:sp>
+        <p:nvSpPr>
+          <p:cNvPr id="6" name="正方形/長方形 5"/>
+          <p:cNvSpPr/>
+          <p:nvPr/>
+        </p:nvSpPr>
+        <p:spPr>
+          <a:xfrm>
+            <a:off x="6290790" y="3821668"/>
+            <a:ext cx="1329210" cy="369332"/>
+          </a:xfrm>
+          <a:prstGeom prst="rect">
+            <a:avLst/>
+          </a:prstGeom>
+          <a:ln>
+            <a:solidFill>
+              <a:schemeClr val="accent2"/>
+            </a:solidFill>
+          </a:ln>
+        </p:spPr>
+        <p:txBody>
+          <a:bodyPr wrap="none">
+            <a:spAutoFit/>
+          </a:bodyPr>
+          <a:lstStyle/>
+          <a:p>
+            <a:r>
+              <a:rPr lang="ja-JP" altLang="en-US" dirty="0" smtClean="0"/>
+              <a:t>総ルール長</a:t>
+            </a:r>
+            <a:endParaRPr lang="ja-JP" altLang="en-US" dirty="0"/>
+          </a:p>
+        </p:txBody>
+      </p:sp>
+      <p:sp>
+        <p:nvSpPr>
+          <p:cNvPr id="7" name="テキスト ボックス 6"/>
+          <p:cNvSpPr txBox="1"/>
+          <p:nvPr/>
+        </p:nvSpPr>
+        <p:spPr>
+          <a:xfrm>
+            <a:off x="4130802" y="3821668"/>
+            <a:ext cx="261610" cy="369332"/>
+          </a:xfrm>
+          <a:prstGeom prst="rect">
+            <a:avLst/>
+          </a:prstGeom>
+          <a:noFill/>
+        </p:spPr>
+        <p:txBody>
+          <a:bodyPr wrap="none" rtlCol="0">
+            <a:spAutoFit/>
+          </a:bodyPr>
+          <a:lstStyle/>
+          <a:p>
+            <a:r>
+              <a:rPr lang="en-US" altLang="ja-JP" dirty="0" smtClean="0"/>
+              <a:t>-</a:t>
+            </a:r>
+            <a:endParaRPr kumimoji="1" lang="ja-JP" altLang="en-US" dirty="0"/>
+          </a:p>
+        </p:txBody>
+      </p:sp>
+      <p:sp>
+        <p:nvSpPr>
+          <p:cNvPr id="8" name="テキスト ボックス 7"/>
+          <p:cNvSpPr txBox="1"/>
+          <p:nvPr/>
+        </p:nvSpPr>
+        <p:spPr>
+          <a:xfrm>
+            <a:off x="1291679" y="4800600"/>
+            <a:ext cx="1261884" cy="369332"/>
+          </a:xfrm>
+          <a:prstGeom prst="rect">
+            <a:avLst/>
+          </a:prstGeom>
+          <a:noFill/>
+        </p:spPr>
+        <p:txBody>
+          <a:bodyPr wrap="none" rtlCol="0">
+            <a:spAutoFit/>
+          </a:bodyPr>
+          <a:lstStyle/>
+          <a:p>
+            <a:r>
+              <a:rPr lang="ja-JP" altLang="en-US" dirty="0" smtClean="0"/>
+              <a:t>⇒　最大化</a:t>
+            </a:r>
+            <a:endParaRPr kumimoji="1" lang="ja-JP" altLang="en-US" dirty="0"/>
+          </a:p>
+        </p:txBody>
+      </p:sp>
+      <p:sp>
+        <p:nvSpPr>
+          <p:cNvPr id="9" name="テキスト ボックス 8"/>
+          <p:cNvSpPr txBox="1"/>
+          <p:nvPr/>
+        </p:nvSpPr>
+        <p:spPr>
+          <a:xfrm>
+            <a:off x="5886586" y="3821668"/>
+            <a:ext cx="261610" cy="369332"/>
+          </a:xfrm>
+          <a:prstGeom prst="rect">
+            <a:avLst/>
+          </a:prstGeom>
+          <a:noFill/>
+        </p:spPr>
+        <p:txBody>
+          <a:bodyPr wrap="none" rtlCol="0">
+            <a:spAutoFit/>
+          </a:bodyPr>
+          <a:lstStyle/>
+          <a:p>
+            <a:r>
+              <a:rPr lang="en-US" altLang="ja-JP" dirty="0" smtClean="0"/>
+              <a:t>-</a:t>
+            </a:r>
+            <a:endParaRPr kumimoji="1" lang="ja-JP" altLang="en-US" dirty="0"/>
+          </a:p>
+        </p:txBody>
+      </p:sp>
+      <mc:AlternateContent xmlns:mc="http://schemas.openxmlformats.org/markup-compatibility/2006">
+        <mc:Choice xmlns:a14="http://schemas.microsoft.com/office/drawing/2010/main" Requires="a14">
+          <p:sp>
+            <p:nvSpPr>
+              <p:cNvPr id="11" name="テキスト ボックス 10"/>
+              <p:cNvSpPr txBox="1"/>
+              <p:nvPr/>
+            </p:nvSpPr>
+            <p:spPr>
+              <a:xfrm>
+                <a:off x="762000" y="3821668"/>
+                <a:ext cx="1325619" cy="369332"/>
+              </a:xfrm>
+              <a:prstGeom prst="rect">
+                <a:avLst/>
+              </a:prstGeom>
+              <a:noFill/>
+            </p:spPr>
+            <p:txBody>
+              <a:bodyPr wrap="none" rtlCol="0">
+                <a:spAutoFit/>
+              </a:bodyPr>
+              <a:lstStyle/>
+              <a:p>
+                <a14:m>
+                  <m:oMathPara xmlns:m="http://schemas.openxmlformats.org/officeDocument/2006/math">
+                    <m:oMathParaPr>
+                      <m:jc m:val="centerGroup"/>
+                    </m:oMathParaPr>
+                    <m:oMath xmlns:m="http://schemas.openxmlformats.org/officeDocument/2006/math">
+                      <m:r>
+                        <a:rPr kumimoji="1" lang="en-US" altLang="ja-JP" b="0" i="1" smtClean="0">
+                          <a:latin typeface="Cambria Math" panose="02040503050406030204" pitchFamily="18" charset="0"/>
+                        </a:rPr>
+                        <m:t>𝑓𝑖𝑡𝑛𝑒𝑠𝑠</m:t>
+                      </m:r>
+                      <m:r>
+                        <a:rPr kumimoji="1" lang="en-US" altLang="ja-JP" b="0" i="1" smtClean="0">
+                          <a:latin typeface="Cambria Math" panose="02040503050406030204" pitchFamily="18" charset="0"/>
+                        </a:rPr>
+                        <m:t>(</m:t>
+                      </m:r>
+                      <m:r>
+                        <a:rPr kumimoji="1" lang="en-US" altLang="ja-JP" b="0" i="1" smtClean="0">
+                          <a:latin typeface="Cambria Math" panose="02040503050406030204" pitchFamily="18" charset="0"/>
+                        </a:rPr>
+                        <m:t>𝑆</m:t>
+                      </m:r>
+                      <m:r>
+                        <a:rPr kumimoji="1" lang="en-US" altLang="ja-JP" b="0" i="1" smtClean="0">
+                          <a:latin typeface="Cambria Math" panose="02040503050406030204" pitchFamily="18" charset="0"/>
+                        </a:rPr>
+                        <m:t>)</m:t>
+                      </m:r>
+                    </m:oMath>
+                  </m:oMathPara>
+                </a14:m>
+                <a:endParaRPr kumimoji="1" lang="ja-JP" altLang="en-US" dirty="0"/>
+              </a:p>
+            </p:txBody>
+          </p:sp>
+        </mc:Choice>
+        <mc:Fallback>
+          <p:sp>
+            <p:nvSpPr>
+              <p:cNvPr id="11" name="テキスト ボックス 10"/>
+              <p:cNvSpPr txBox="1">
+                <a:spLocks noRot="1" noChangeAspect="1" noMove="1" noResize="1" noEditPoints="1" noAdjustHandles="1" noChangeArrowheads="1" noChangeShapeType="1" noTextEdit="1"/>
+              </p:cNvSpPr>
+              <p:nvPr/>
+            </p:nvSpPr>
+            <p:spPr>
+              <a:xfrm>
+                <a:off x="762000" y="3821668"/>
+                <a:ext cx="1325619" cy="369332"/>
+              </a:xfrm>
+              <a:prstGeom prst="rect">
+                <a:avLst/>
+              </a:prstGeom>
+              <a:blipFill>
+                <a:blip r:embed="rId2"/>
+                <a:stretch>
+                  <a:fillRect b="-13115"/>
+                </a:stretch>
+              </a:blipFill>
+            </p:spPr>
+            <p:txBody>
+              <a:bodyPr/>
+              <a:lstStyle/>
+              <a:p>
+                <a:r>
+                  <a:rPr lang="ja-JP" altLang="en-US">
+                    <a:noFill/>
+                  </a:rPr>
+                  <a:t> </a:t>
+                </a:r>
+              </a:p>
+            </p:txBody>
+          </p:sp>
+        </mc:Fallback>
+      </mc:AlternateContent>
+      <p:sp>
+        <p:nvSpPr>
+          <p:cNvPr id="12" name="テキスト ボックス 11"/>
+          <p:cNvSpPr txBox="1"/>
+          <p:nvPr/>
+        </p:nvSpPr>
+        <p:spPr>
+          <a:xfrm>
+            <a:off x="2329190" y="3821668"/>
+            <a:ext cx="319318" cy="369332"/>
+          </a:xfrm>
+          <a:prstGeom prst="rect">
+            <a:avLst/>
+          </a:prstGeom>
+          <a:noFill/>
+        </p:spPr>
+        <p:txBody>
+          <a:bodyPr wrap="none" rtlCol="0">
+            <a:spAutoFit/>
+          </a:bodyPr>
+          <a:lstStyle/>
+          <a:p>
+            <a:r>
+              <a:rPr lang="en-US" altLang="ja-JP" dirty="0" smtClean="0"/>
+              <a:t>=</a:t>
+            </a:r>
+          </a:p>
+        </p:txBody>
+      </p:sp>
+      <mc:AlternateContent xmlns:mc="http://schemas.openxmlformats.org/markup-compatibility/2006">
+        <mc:Choice xmlns:a14="http://schemas.microsoft.com/office/drawing/2010/main" Requires="a14">
+          <p:sp>
+            <p:nvSpPr>
+              <p:cNvPr id="13" name="テキスト ボックス 12"/>
+              <p:cNvSpPr txBox="1"/>
+              <p:nvPr/>
+            </p:nvSpPr>
+            <p:spPr>
+              <a:xfrm>
+                <a:off x="5486400" y="4343400"/>
+                <a:ext cx="3465692" cy="369332"/>
+              </a:xfrm>
+              <a:prstGeom prst="rect">
+                <a:avLst/>
+              </a:prstGeom>
+              <a:noFill/>
+            </p:spPr>
+            <p:txBody>
+              <a:bodyPr wrap="none" rtlCol="0">
+                <a:spAutoFit/>
+              </a:bodyPr>
+              <a:lstStyle/>
+              <a:p>
+                <a14:m>
+                  <m:oMath xmlns:m="http://schemas.openxmlformats.org/officeDocument/2006/math">
+                    <m:r>
+                      <a:rPr kumimoji="1" lang="en-US" altLang="ja-JP" b="0" i="1" smtClean="0">
+                        <a:latin typeface="Cambria Math" panose="02040503050406030204" pitchFamily="18" charset="0"/>
+                      </a:rPr>
+                      <m:t>𝑆</m:t>
+                    </m:r>
+                    <m:r>
+                      <a:rPr kumimoji="1" lang="en-US" altLang="ja-JP" b="0" i="0" smtClean="0">
+                        <a:latin typeface="Cambria Math" panose="02040503050406030204" pitchFamily="18" charset="0"/>
+                      </a:rPr>
+                      <m:t>:</m:t>
+                    </m:r>
+                  </m:oMath>
+                </a14:m>
+                <a:r>
+                  <a:rPr kumimoji="1" lang="ja-JP" altLang="en-US" b="0" dirty="0" smtClean="0"/>
+                  <a:t>ファジィ識別器　＝　ルール集合</a:t>
+                </a:r>
+                <a:endParaRPr kumimoji="1" lang="en-US" altLang="ja-JP" b="0" dirty="0" smtClean="0"/>
+              </a:p>
+            </p:txBody>
+          </p:sp>
+        </mc:Choice>
+        <mc:Fallback>
+          <p:sp>
+            <p:nvSpPr>
+              <p:cNvPr id="13" name="テキスト ボックス 12"/>
+              <p:cNvSpPr txBox="1">
+                <a:spLocks noRot="1" noChangeAspect="1" noMove="1" noResize="1" noEditPoints="1" noAdjustHandles="1" noChangeArrowheads="1" noChangeShapeType="1" noTextEdit="1"/>
+              </p:cNvSpPr>
+              <p:nvPr/>
+            </p:nvSpPr>
+            <p:spPr>
+              <a:xfrm>
+                <a:off x="5486400" y="4343400"/>
+                <a:ext cx="3465692" cy="369332"/>
+              </a:xfrm>
+              <a:prstGeom prst="rect">
+                <a:avLst/>
+              </a:prstGeom>
+              <a:blipFill>
+                <a:blip r:embed="rId3"/>
+                <a:stretch>
+                  <a:fillRect t="-13333" r="-879" b="-21667"/>
+                </a:stretch>
+              </a:blipFill>
+            </p:spPr>
+            <p:txBody>
+              <a:bodyPr/>
+              <a:lstStyle/>
+              <a:p>
+                <a:r>
+                  <a:rPr lang="ja-JP" altLang="en-US">
+                    <a:noFill/>
+                  </a:rPr>
+                  <a:t> </a:t>
+                </a:r>
+              </a:p>
+            </p:txBody>
+          </p:sp>
+        </mc:Fallback>
+      </mc:AlternateContent>
     </p:spTree>
     <p:extLst>
       <p:ext uri="{BB962C8B-B14F-4D97-AF65-F5344CB8AC3E}">
-        <p14:creationId xmlns:p14="http://schemas.microsoft.com/office/powerpoint/2010/main" val="3018479920"/>
+        <p14:creationId xmlns:p14="http://schemas.microsoft.com/office/powerpoint/2010/main" val="993334330"/>
       </p:ext>
     </p:extLst>
   </p:cSld>
@@ -10802,7 +11220,7 @@
       </p:grpSpPr>
       <p:sp>
         <p:nvSpPr>
-          <p:cNvPr id="15362" name="タイトル 1"/>
+          <p:cNvPr id="2" name="タイトル 1"/>
           <p:cNvSpPr>
             <a:spLocks noGrp="1"/>
           </p:cNvSpPr>
@@ -10816,74 +11234,367 @@
           <a:lstStyle/>
           <a:p>
             <a:r>
-              <a:rPr lang="ja-JP" altLang="en-US" smtClean="0"/>
-              <a:t>メモ</a:t>
-            </a:r>
+              <a:rPr kumimoji="1" lang="ja-JP" altLang="en-US" dirty="0" smtClean="0"/>
+              <a:t>探索する範囲</a:t>
+            </a:r>
+            <a:endParaRPr kumimoji="1" lang="ja-JP" altLang="en-US" dirty="0"/>
           </a:p>
         </p:txBody>
       </p:sp>
       <p:sp>
         <p:nvSpPr>
-          <p:cNvPr id="15363" name="コンテンツ プレースホルダー 2"/>
-          <p:cNvSpPr>
-            <a:spLocks noGrp="1"/>
-          </p:cNvSpPr>
-          <p:nvPr>
-            <p:ph idx="1"/>
-          </p:nvPr>
-        </p:nvSpPr>
-        <p:spPr/>
+          <p:cNvPr id="3" name="テキスト ボックス 2"/>
+          <p:cNvSpPr txBox="1"/>
+          <p:nvPr/>
+        </p:nvSpPr>
+        <p:spPr>
+          <a:xfrm>
+            <a:off x="610629" y="1664732"/>
+            <a:ext cx="5078634" cy="369332"/>
+          </a:xfrm>
+          <a:prstGeom prst="rect">
+            <a:avLst/>
+          </a:prstGeom>
+          <a:noFill/>
+        </p:spPr>
         <p:txBody>
-          <a:bodyPr/>
+          <a:bodyPr wrap="none" rtlCol="0">
+            <a:spAutoFit/>
+          </a:bodyPr>
           <a:lstStyle/>
           <a:p>
             <a:r>
-              <a:rPr lang="ja-JP" altLang="en-US" smtClean="0"/>
-              <a:t>ファジィ</a:t>
-            </a:r>
-            <a:endParaRPr lang="en-US" altLang="ja-JP" smtClean="0"/>
-          </a:p>
-          <a:p>
-            <a:pPr lvl="1"/>
-            <a:r>
-              <a:rPr lang="ja-JP" altLang="en-US" smtClean="0"/>
-              <a:t>ファジィ集合</a:t>
-            </a:r>
-            <a:endParaRPr lang="en-US" altLang="ja-JP" smtClean="0"/>
-          </a:p>
-          <a:p>
-            <a:r>
-              <a:rPr lang="en-US" altLang="ja-JP" smtClean="0"/>
-              <a:t>If then</a:t>
-            </a:r>
-            <a:r>
-              <a:rPr lang="ja-JP" altLang="en-US" smtClean="0"/>
-              <a:t>形式とは</a:t>
-            </a:r>
-            <a:endParaRPr lang="en-US" altLang="ja-JP" smtClean="0"/>
-          </a:p>
-          <a:p>
-            <a:r>
-              <a:rPr lang="ja-JP" altLang="en-US" smtClean="0"/>
-              <a:t>前件部としてファジィ集合を使用する</a:t>
-            </a:r>
-            <a:endParaRPr lang="en-US" altLang="ja-JP" smtClean="0"/>
-          </a:p>
-          <a:p>
-            <a:endParaRPr lang="en-US" altLang="ja-JP" smtClean="0"/>
-          </a:p>
-          <a:p>
-            <a:endParaRPr lang="en-US" altLang="ja-JP" smtClean="0"/>
-          </a:p>
-          <a:p>
-            <a:endParaRPr lang="en-US" altLang="ja-JP" smtClean="0"/>
-          </a:p>
-          <a:p>
-            <a:endParaRPr lang="en-US" altLang="ja-JP" smtClean="0"/>
+              <a:rPr lang="en-US" altLang="ja-JP" dirty="0" smtClean="0"/>
+              <a:t>1</a:t>
+            </a:r>
+            <a:r>
+              <a:rPr lang="ja-JP" altLang="en-US" dirty="0" err="1" smtClean="0"/>
+              <a:t>つの</a:t>
+            </a:r>
+            <a:r>
+              <a:rPr lang="ja-JP" altLang="en-US" dirty="0" smtClean="0"/>
+              <a:t>ファジィ識別器は最大で</a:t>
+            </a:r>
+            <a:r>
+              <a:rPr lang="en-US" altLang="ja-JP" dirty="0" smtClean="0"/>
+              <a:t>16</a:t>
+            </a:r>
+            <a:r>
+              <a:rPr lang="ja-JP" altLang="en-US" dirty="0" smtClean="0"/>
+              <a:t>個の</a:t>
+            </a:r>
+            <a:r>
+              <a:rPr lang="ja-JP" altLang="en-US" dirty="0" smtClean="0"/>
+              <a:t>ルールをもつ</a:t>
+            </a:r>
+            <a:endParaRPr lang="en-US" altLang="ja-JP" dirty="0" smtClean="0"/>
           </a:p>
         </p:txBody>
       </p:sp>
+      <p:sp>
+        <p:nvSpPr>
+          <p:cNvPr id="4" name="テキスト ボックス 3"/>
+          <p:cNvSpPr txBox="1"/>
+          <p:nvPr/>
+        </p:nvSpPr>
+        <p:spPr>
+          <a:xfrm>
+            <a:off x="152400" y="2371130"/>
+            <a:ext cx="8675773" cy="369332"/>
+          </a:xfrm>
+          <a:prstGeom prst="rect">
+            <a:avLst/>
+          </a:prstGeom>
+          <a:noFill/>
+        </p:spPr>
+        <p:txBody>
+          <a:bodyPr wrap="none" rtlCol="0">
+            <a:spAutoFit/>
+          </a:bodyPr>
+          <a:lstStyle/>
+          <a:p>
+            <a:r>
+              <a:rPr lang="ja-JP" altLang="en-US" dirty="0" smtClean="0"/>
+              <a:t>各ルールを使用する </a:t>
+            </a:r>
+            <a:r>
+              <a:rPr lang="en-US" altLang="ja-JP" dirty="0" smtClean="0"/>
+              <a:t>or </a:t>
+            </a:r>
+            <a:r>
+              <a:rPr lang="ja-JP" altLang="en-US" dirty="0" smtClean="0"/>
+              <a:t>使用しない　の組み合わせで一つのファジィ識別器を表現できる</a:t>
+            </a:r>
+            <a:endParaRPr lang="en-US" altLang="ja-JP" dirty="0" smtClean="0"/>
+          </a:p>
+        </p:txBody>
+      </p:sp>
+      <p:sp>
+        <p:nvSpPr>
+          <p:cNvPr id="5" name="テキスト ボックス 4"/>
+          <p:cNvSpPr txBox="1"/>
+          <p:nvPr/>
+        </p:nvSpPr>
+        <p:spPr>
+          <a:xfrm>
+            <a:off x="63062" y="2740462"/>
+            <a:ext cx="6361037" cy="369332"/>
+          </a:xfrm>
+          <a:prstGeom prst="rect">
+            <a:avLst/>
+          </a:prstGeom>
+          <a:noFill/>
+        </p:spPr>
+        <p:txBody>
+          <a:bodyPr wrap="none" rtlCol="0">
+            <a:spAutoFit/>
+          </a:bodyPr>
+          <a:lstStyle/>
+          <a:p>
+            <a:r>
+              <a:rPr lang="ja-JP" altLang="en-US" dirty="0" smtClean="0"/>
+              <a:t>⇒　</a:t>
+            </a:r>
+            <a:r>
+              <a:rPr lang="en-US" altLang="ja-JP" dirty="0" smtClean="0"/>
+              <a:t>16bit</a:t>
+            </a:r>
+            <a:r>
+              <a:rPr lang="ja-JP" altLang="en-US" dirty="0" smtClean="0"/>
+              <a:t>　のフラグで一つのファジィ識別器＝ルール集合を表現</a:t>
+            </a:r>
+            <a:endParaRPr lang="en-US" altLang="ja-JP" dirty="0" smtClean="0"/>
+          </a:p>
+        </p:txBody>
+      </p:sp>
+      <p:sp>
+        <p:nvSpPr>
+          <p:cNvPr id="6" name="テキスト ボックス 5"/>
+          <p:cNvSpPr txBox="1"/>
+          <p:nvPr/>
+        </p:nvSpPr>
+        <p:spPr>
+          <a:xfrm>
+            <a:off x="602746" y="3733800"/>
+            <a:ext cx="2428870" cy="369332"/>
+          </a:xfrm>
+          <a:prstGeom prst="rect">
+            <a:avLst/>
+          </a:prstGeom>
+          <a:noFill/>
+        </p:spPr>
+        <p:txBody>
+          <a:bodyPr wrap="none" rtlCol="0">
+            <a:spAutoFit/>
+          </a:bodyPr>
+          <a:lstStyle/>
+          <a:p>
+            <a:r>
+              <a:rPr lang="en-US" altLang="ja-JP" dirty="0" smtClean="0"/>
+              <a:t>0000 0000 0000 0000</a:t>
+            </a:r>
+          </a:p>
+        </p:txBody>
+      </p:sp>
+      <p:sp>
+        <p:nvSpPr>
+          <p:cNvPr id="7" name="テキスト ボックス 6"/>
+          <p:cNvSpPr txBox="1"/>
+          <p:nvPr/>
+        </p:nvSpPr>
+        <p:spPr>
+          <a:xfrm>
+            <a:off x="4200670" y="3733800"/>
+            <a:ext cx="2223429" cy="369332"/>
+          </a:xfrm>
+          <a:prstGeom prst="rect">
+            <a:avLst/>
+          </a:prstGeom>
+          <a:noFill/>
+        </p:spPr>
+        <p:txBody>
+          <a:bodyPr wrap="none" rtlCol="0">
+            <a:spAutoFit/>
+          </a:bodyPr>
+          <a:lstStyle/>
+          <a:p>
+            <a:r>
+              <a:rPr lang="en-US" altLang="ja-JP" dirty="0" smtClean="0"/>
+              <a:t>1111 1111 1111 1111</a:t>
+            </a:r>
+          </a:p>
+        </p:txBody>
+      </p:sp>
+      <p:sp>
+        <p:nvSpPr>
+          <p:cNvPr id="8" name="テキスト ボックス 7"/>
+          <p:cNvSpPr txBox="1"/>
+          <p:nvPr/>
+        </p:nvSpPr>
+        <p:spPr>
+          <a:xfrm>
+            <a:off x="3408394" y="3720772"/>
+            <a:ext cx="415498" cy="369332"/>
+          </a:xfrm>
+          <a:prstGeom prst="rect">
+            <a:avLst/>
+          </a:prstGeom>
+          <a:noFill/>
+        </p:spPr>
+        <p:txBody>
+          <a:bodyPr wrap="none" rtlCol="0">
+            <a:spAutoFit/>
+          </a:bodyPr>
+          <a:lstStyle/>
+          <a:p>
+            <a:r>
+              <a:rPr lang="ja-JP" altLang="en-US" dirty="0"/>
+              <a:t>～</a:t>
+            </a:r>
+            <a:endParaRPr lang="en-US" altLang="ja-JP" dirty="0" smtClean="0"/>
+          </a:p>
+        </p:txBody>
+      </p:sp>
+      <mc:AlternateContent xmlns:mc="http://schemas.openxmlformats.org/markup-compatibility/2006">
+        <mc:Choice xmlns:a14="http://schemas.microsoft.com/office/drawing/2010/main" Requires="a14">
+          <p:sp>
+            <p:nvSpPr>
+              <p:cNvPr id="9" name="テキスト ボックス 8"/>
+              <p:cNvSpPr txBox="1"/>
+              <p:nvPr/>
+            </p:nvSpPr>
+            <p:spPr>
+              <a:xfrm>
+                <a:off x="360790" y="4572000"/>
+                <a:ext cx="8258992" cy="646331"/>
+              </a:xfrm>
+              <a:prstGeom prst="rect">
+                <a:avLst/>
+              </a:prstGeom>
+              <a:noFill/>
+            </p:spPr>
+            <p:txBody>
+              <a:bodyPr wrap="none" rtlCol="0">
+                <a:spAutoFit/>
+              </a:bodyPr>
+              <a:lstStyle/>
+              <a:p>
+                <a:r>
+                  <a:rPr lang="en-US" altLang="ja-JP" dirty="0" smtClean="0"/>
+                  <a:t>= </a:t>
+                </a:r>
+                <a14:m>
+                  <m:oMath xmlns:m="http://schemas.openxmlformats.org/officeDocument/2006/math">
+                    <m:sSup>
+                      <m:sSupPr>
+                        <m:ctrlPr>
+                          <a:rPr lang="en-US" altLang="ja-JP" i="1" smtClean="0">
+                            <a:latin typeface="Cambria Math" panose="02040503050406030204" pitchFamily="18" charset="0"/>
+                          </a:rPr>
+                        </m:ctrlPr>
+                      </m:sSupPr>
+                      <m:e>
+                        <m:r>
+                          <a:rPr lang="en-US" altLang="ja-JP" b="0" i="1" smtClean="0">
+                            <a:latin typeface="Cambria Math" panose="02040503050406030204" pitchFamily="18" charset="0"/>
+                          </a:rPr>
+                          <m:t>2</m:t>
+                        </m:r>
+                      </m:e>
+                      <m:sup>
+                        <m:r>
+                          <a:rPr lang="en-US" altLang="ja-JP" b="0" i="1" smtClean="0">
+                            <a:latin typeface="Cambria Math" panose="02040503050406030204" pitchFamily="18" charset="0"/>
+                          </a:rPr>
+                          <m:t>16</m:t>
+                        </m:r>
+                      </m:sup>
+                    </m:sSup>
+                    <m:r>
+                      <a:rPr lang="en-US" altLang="ja-JP" b="0" i="1" smtClean="0">
+                        <a:latin typeface="Cambria Math" panose="02040503050406030204" pitchFamily="18" charset="0"/>
+                      </a:rPr>
+                      <m:t>=65000</m:t>
+                    </m:r>
+                  </m:oMath>
+                </a14:m>
+                <a:r>
+                  <a:rPr lang="ja-JP" altLang="en-US" dirty="0" smtClean="0"/>
+                  <a:t>　個のファジィ識別器の中から最適な識別器を探索する</a:t>
+                </a:r>
+                <a:endParaRPr lang="en-US" altLang="ja-JP" dirty="0" smtClean="0"/>
+              </a:p>
+              <a:p>
+                <a:r>
+                  <a:rPr lang="ja-JP" altLang="en-US" dirty="0" smtClean="0"/>
+                  <a:t>つまり、</a:t>
+                </a:r>
+                <a:r>
+                  <a:rPr lang="en-US" altLang="ja-JP" dirty="0" smtClean="0"/>
+                  <a:t>65000</a:t>
+                </a:r>
+                <a:r>
+                  <a:rPr lang="ja-JP" altLang="en-US" dirty="0" smtClean="0"/>
+                  <a:t>個のファジィ識別器の中で最大の</a:t>
+                </a:r>
+                <a:r>
+                  <a:rPr lang="en-US" altLang="ja-JP" dirty="0" smtClean="0"/>
+                  <a:t>fitness</a:t>
+                </a:r>
+                <a:r>
+                  <a:rPr lang="ja-JP" altLang="en-US" dirty="0" smtClean="0"/>
+                  <a:t>をとるルール集合を見つける</a:t>
+                </a:r>
+                <a:endParaRPr lang="en-US" altLang="ja-JP" dirty="0" smtClean="0"/>
+              </a:p>
+            </p:txBody>
+          </p:sp>
+        </mc:Choice>
+        <mc:Fallback>
+          <p:sp>
+            <p:nvSpPr>
+              <p:cNvPr id="9" name="テキスト ボックス 8"/>
+              <p:cNvSpPr txBox="1">
+                <a:spLocks noRot="1" noChangeAspect="1" noMove="1" noResize="1" noEditPoints="1" noAdjustHandles="1" noChangeArrowheads="1" noChangeShapeType="1" noTextEdit="1"/>
+              </p:cNvSpPr>
+              <p:nvPr/>
+            </p:nvSpPr>
+            <p:spPr>
+              <a:xfrm>
+                <a:off x="360790" y="4572000"/>
+                <a:ext cx="8258992" cy="646331"/>
+              </a:xfrm>
+              <a:prstGeom prst="rect">
+                <a:avLst/>
+              </a:prstGeom>
+              <a:blipFill>
+                <a:blip r:embed="rId2"/>
+                <a:stretch>
+                  <a:fillRect l="-590" t="-6604" b="-15094"/>
+                </a:stretch>
+              </a:blipFill>
+            </p:spPr>
+            <p:txBody>
+              <a:bodyPr/>
+              <a:lstStyle/>
+              <a:p>
+                <a:r>
+                  <a:rPr lang="ja-JP" altLang="en-US">
+                    <a:noFill/>
+                  </a:rPr>
+                  <a:t> </a:t>
+                </a:r>
+              </a:p>
+            </p:txBody>
+          </p:sp>
+        </mc:Fallback>
+      </mc:AlternateContent>
     </p:spTree>
+    <p:extLst>
+      <p:ext uri="{BB962C8B-B14F-4D97-AF65-F5344CB8AC3E}">
+        <p14:creationId xmlns:p14="http://schemas.microsoft.com/office/powerpoint/2010/main" val="2912313908"/>
+      </p:ext>
+    </p:extLst>
   </p:cSld>
   <p:clrMapOvr>
     <a:masterClrMapping/>
@@ -10910,7 +11621,7 @@
       </p:grpSpPr>
       <p:sp>
         <p:nvSpPr>
-          <p:cNvPr id="13314" name="タイトル 1"/>
+          <p:cNvPr id="2" name="タイトル 1"/>
           <p:cNvSpPr>
             <a:spLocks noGrp="1"/>
           </p:cNvSpPr>
@@ -10924,2686 +11635,19 @@
           <a:lstStyle/>
           <a:p>
             <a:r>
-              <a:rPr lang="ja-JP" altLang="en-US" smtClean="0"/>
-              <a:t>ファジィ集合</a:t>
-            </a:r>
+              <a:rPr lang="ja-JP" altLang="en-US" dirty="0" smtClean="0"/>
+              <a:t>結果（最適化後）</a:t>
+            </a:r>
+            <a:endParaRPr kumimoji="1" lang="ja-JP" altLang="en-US" dirty="0"/>
           </a:p>
         </p:txBody>
       </p:sp>
-      <p:sp>
-        <p:nvSpPr>
-          <p:cNvPr id="13315" name="テキスト ボックス 2"/>
-          <p:cNvSpPr txBox="1">
-            <a:spLocks noChangeArrowheads="1"/>
-          </p:cNvSpPr>
-          <p:nvPr/>
-        </p:nvSpPr>
-        <p:spPr bwMode="auto">
-          <a:xfrm>
-            <a:off x="228600" y="1371600"/>
-            <a:ext cx="5257800" cy="369888"/>
-          </a:xfrm>
-          <a:prstGeom prst="rect">
-            <a:avLst/>
-          </a:prstGeom>
-          <a:noFill/>
-          <a:ln>
-            <a:noFill/>
-          </a:ln>
-          <a:extLst>
-            <a:ext uri="{909E8E84-426E-40DD-AFC4-6F175D3DCCD1}">
-              <a14:hiddenFill xmlns:a14="http://schemas.microsoft.com/office/drawing/2010/main">
-                <a:solidFill>
-                  <a:srgbClr val="FFFFFF"/>
-                </a:solidFill>
-              </a14:hiddenFill>
-            </a:ext>
-            <a:ext uri="{91240B29-F687-4F45-9708-019B960494DF}">
-              <a14:hiddenLine xmlns:a14="http://schemas.microsoft.com/office/drawing/2010/main" w="9525">
-                <a:solidFill>
-                  <a:srgbClr val="000000"/>
-                </a:solidFill>
-                <a:miter lim="800000"/>
-                <a:headEnd/>
-                <a:tailEnd/>
-              </a14:hiddenLine>
-            </a:ext>
-          </a:extLst>
-        </p:spPr>
-        <p:txBody>
-          <a:bodyPr>
-            <a:spAutoFit/>
-          </a:bodyPr>
-          <a:lstStyle>
-            <a:lvl1pPr>
-              <a:defRPr kumimoji="1">
-                <a:solidFill>
-                  <a:schemeClr val="tx1"/>
-                </a:solidFill>
-                <a:latin typeface="Arial" panose="020B0604020202020204" pitchFamily="34" charset="0"/>
-                <a:ea typeface="ＭＳ Ｐゴシック" panose="020B0600070205080204" pitchFamily="50" charset="-128"/>
-              </a:defRPr>
-            </a:lvl1pPr>
-            <a:lvl2pPr marL="742950" indent="-285750">
-              <a:defRPr kumimoji="1">
-                <a:solidFill>
-                  <a:schemeClr val="tx1"/>
-                </a:solidFill>
-                <a:latin typeface="Arial" panose="020B0604020202020204" pitchFamily="34" charset="0"/>
-                <a:ea typeface="ＭＳ Ｐゴシック" panose="020B0600070205080204" pitchFamily="50" charset="-128"/>
-              </a:defRPr>
-            </a:lvl2pPr>
-            <a:lvl3pPr marL="1143000" indent="-228600">
-              <a:defRPr kumimoji="1">
-                <a:solidFill>
-                  <a:schemeClr val="tx1"/>
-                </a:solidFill>
-                <a:latin typeface="Arial" panose="020B0604020202020204" pitchFamily="34" charset="0"/>
-                <a:ea typeface="ＭＳ Ｐゴシック" panose="020B0600070205080204" pitchFamily="50" charset="-128"/>
-              </a:defRPr>
-            </a:lvl3pPr>
-            <a:lvl4pPr marL="1600200" indent="-228600">
-              <a:defRPr kumimoji="1">
-                <a:solidFill>
-                  <a:schemeClr val="tx1"/>
-                </a:solidFill>
-                <a:latin typeface="Arial" panose="020B0604020202020204" pitchFamily="34" charset="0"/>
-                <a:ea typeface="ＭＳ Ｐゴシック" panose="020B0600070205080204" pitchFamily="50" charset="-128"/>
-              </a:defRPr>
-            </a:lvl4pPr>
-            <a:lvl5pPr marL="2057400" indent="-228600">
-              <a:defRPr kumimoji="1">
-                <a:solidFill>
-                  <a:schemeClr val="tx1"/>
-                </a:solidFill>
-                <a:latin typeface="Arial" panose="020B0604020202020204" pitchFamily="34" charset="0"/>
-                <a:ea typeface="ＭＳ Ｐゴシック" panose="020B0600070205080204" pitchFamily="50" charset="-128"/>
-              </a:defRPr>
-            </a:lvl5pPr>
-            <a:lvl6pPr marL="2514600" indent="-228600" eaLnBrk="0" fontAlgn="base" hangingPunct="0">
-              <a:spcBef>
-                <a:spcPct val="0"/>
-              </a:spcBef>
-              <a:spcAft>
-                <a:spcPct val="0"/>
-              </a:spcAft>
-              <a:defRPr kumimoji="1">
-                <a:solidFill>
-                  <a:schemeClr val="tx1"/>
-                </a:solidFill>
-                <a:latin typeface="Arial" panose="020B0604020202020204" pitchFamily="34" charset="0"/>
-                <a:ea typeface="ＭＳ Ｐゴシック" panose="020B0600070205080204" pitchFamily="50" charset="-128"/>
-              </a:defRPr>
-            </a:lvl6pPr>
-            <a:lvl7pPr marL="2971800" indent="-228600" eaLnBrk="0" fontAlgn="base" hangingPunct="0">
-              <a:spcBef>
-                <a:spcPct val="0"/>
-              </a:spcBef>
-              <a:spcAft>
-                <a:spcPct val="0"/>
-              </a:spcAft>
-              <a:defRPr kumimoji="1">
-                <a:solidFill>
-                  <a:schemeClr val="tx1"/>
-                </a:solidFill>
-                <a:latin typeface="Arial" panose="020B0604020202020204" pitchFamily="34" charset="0"/>
-                <a:ea typeface="ＭＳ Ｐゴシック" panose="020B0600070205080204" pitchFamily="50" charset="-128"/>
-              </a:defRPr>
-            </a:lvl7pPr>
-            <a:lvl8pPr marL="3429000" indent="-228600" eaLnBrk="0" fontAlgn="base" hangingPunct="0">
-              <a:spcBef>
-                <a:spcPct val="0"/>
-              </a:spcBef>
-              <a:spcAft>
-                <a:spcPct val="0"/>
-              </a:spcAft>
-              <a:defRPr kumimoji="1">
-                <a:solidFill>
-                  <a:schemeClr val="tx1"/>
-                </a:solidFill>
-                <a:latin typeface="Arial" panose="020B0604020202020204" pitchFamily="34" charset="0"/>
-                <a:ea typeface="ＭＳ Ｐゴシック" panose="020B0600070205080204" pitchFamily="50" charset="-128"/>
-              </a:defRPr>
-            </a:lvl8pPr>
-            <a:lvl9pPr marL="3886200" indent="-228600" eaLnBrk="0" fontAlgn="base" hangingPunct="0">
-              <a:spcBef>
-                <a:spcPct val="0"/>
-              </a:spcBef>
-              <a:spcAft>
-                <a:spcPct val="0"/>
-              </a:spcAft>
-              <a:defRPr kumimoji="1">
-                <a:solidFill>
-                  <a:schemeClr val="tx1"/>
-                </a:solidFill>
-                <a:latin typeface="Arial" panose="020B0604020202020204" pitchFamily="34" charset="0"/>
-                <a:ea typeface="ＭＳ Ｐゴシック" panose="020B0600070205080204" pitchFamily="50" charset="-128"/>
-              </a:defRPr>
-            </a:lvl9pPr>
-          </a:lstStyle>
-          <a:p>
-            <a:r>
-              <a:rPr lang="ja-JP" altLang="en-US"/>
-              <a:t>事実を把握する基準としてファジィ集合を使用する</a:t>
-            </a:r>
-          </a:p>
-        </p:txBody>
-      </p:sp>
-      <p:grpSp>
-        <p:nvGrpSpPr>
-          <p:cNvPr id="13316" name="グループ化 18"/>
-          <p:cNvGrpSpPr>
-            <a:grpSpLocks/>
-          </p:cNvGrpSpPr>
-          <p:nvPr/>
-        </p:nvGrpSpPr>
-        <p:grpSpPr bwMode="auto">
-          <a:xfrm>
-            <a:off x="228600" y="4643438"/>
-            <a:ext cx="3465513" cy="1905000"/>
-            <a:chOff x="667407" y="2286000"/>
-            <a:chExt cx="3465786" cy="1905000"/>
-          </a:xfrm>
-        </p:grpSpPr>
-        <p:grpSp>
-          <p:nvGrpSpPr>
-            <p:cNvPr id="13340" name="グループ化 7"/>
-            <p:cNvGrpSpPr>
-              <a:grpSpLocks/>
-            </p:cNvGrpSpPr>
-            <p:nvPr/>
-          </p:nvGrpSpPr>
-          <p:grpSpPr bwMode="auto">
-            <a:xfrm>
-              <a:off x="685800" y="2286000"/>
-              <a:ext cx="3447393" cy="1905000"/>
-              <a:chOff x="1124607" y="2667000"/>
-              <a:chExt cx="3447393" cy="1905000"/>
-            </a:xfrm>
-          </p:grpSpPr>
-          <p:sp>
-            <p:nvSpPr>
-              <p:cNvPr id="4" name="正方形/長方形 3"/>
-              <p:cNvSpPr/>
-              <p:nvPr/>
-            </p:nvSpPr>
-            <p:spPr>
-              <a:xfrm>
-                <a:off x="1144317" y="2667000"/>
-                <a:ext cx="3427683" cy="1905000"/>
-              </a:xfrm>
-              <a:prstGeom prst="rect">
-                <a:avLst/>
-              </a:prstGeom>
-            </p:spPr>
-            <p:style>
-              <a:lnRef idx="2">
-                <a:schemeClr val="accent1">
-                  <a:shade val="50000"/>
-                </a:schemeClr>
-              </a:lnRef>
-              <a:fillRef idx="1">
-                <a:schemeClr val="accent1"/>
-              </a:fillRef>
-              <a:effectRef idx="0">
-                <a:schemeClr val="accent1"/>
-              </a:effectRef>
-              <a:fontRef idx="minor">
-                <a:schemeClr val="lt1"/>
-              </a:fontRef>
-            </p:style>
-            <p:txBody>
-              <a:bodyPr anchor="ctr"/>
-              <a:lstStyle/>
-              <a:p>
-                <a:pPr algn="ctr">
-                  <a:defRPr/>
-                </a:pPr>
-                <a:endParaRPr lang="ja-JP" altLang="en-US"/>
-              </a:p>
-            </p:txBody>
-          </p:sp>
-          <p:sp>
-            <p:nvSpPr>
-              <p:cNvPr id="5" name="二等辺三角形 4"/>
-              <p:cNvSpPr/>
-              <p:nvPr/>
-            </p:nvSpPr>
-            <p:spPr>
-              <a:xfrm>
-                <a:off x="1125265" y="2667000"/>
-                <a:ext cx="3427683" cy="1905000"/>
-              </a:xfrm>
-              <a:prstGeom prst="triangle">
-                <a:avLst>
-                  <a:gd name="adj" fmla="val 24253"/>
-                </a:avLst>
-              </a:prstGeom>
-            </p:spPr>
-            <p:style>
-              <a:lnRef idx="2">
-                <a:schemeClr val="accent1">
-                  <a:shade val="50000"/>
-                </a:schemeClr>
-              </a:lnRef>
-              <a:fillRef idx="1">
-                <a:schemeClr val="accent1"/>
-              </a:fillRef>
-              <a:effectRef idx="0">
-                <a:schemeClr val="accent1"/>
-              </a:effectRef>
-              <a:fontRef idx="minor">
-                <a:schemeClr val="lt1"/>
-              </a:fontRef>
-            </p:style>
-            <p:txBody>
-              <a:bodyPr anchor="ctr"/>
-              <a:lstStyle/>
-              <a:p>
-                <a:pPr algn="ctr">
-                  <a:defRPr/>
-                </a:pPr>
-                <a:endParaRPr lang="ja-JP" altLang="en-US"/>
-              </a:p>
-            </p:txBody>
-          </p:sp>
-          <p:sp>
-            <p:nvSpPr>
-              <p:cNvPr id="6" name="二等辺三角形 5"/>
-              <p:cNvSpPr/>
-              <p:nvPr/>
-            </p:nvSpPr>
-            <p:spPr>
-              <a:xfrm>
-                <a:off x="1144317" y="2667000"/>
-                <a:ext cx="1674945" cy="1905000"/>
-              </a:xfrm>
-              <a:prstGeom prst="triangle">
-                <a:avLst>
-                  <a:gd name="adj" fmla="val 0"/>
-                </a:avLst>
-              </a:prstGeom>
-              <a:noFill/>
-            </p:spPr>
-            <p:style>
-              <a:lnRef idx="2">
-                <a:schemeClr val="accent1">
-                  <a:shade val="50000"/>
-                </a:schemeClr>
-              </a:lnRef>
-              <a:fillRef idx="1">
-                <a:schemeClr val="accent1"/>
-              </a:fillRef>
-              <a:effectRef idx="0">
-                <a:schemeClr val="accent1"/>
-              </a:effectRef>
-              <a:fontRef idx="minor">
-                <a:schemeClr val="lt1"/>
-              </a:fontRef>
-            </p:style>
-            <p:txBody>
-              <a:bodyPr anchor="ctr"/>
-              <a:lstStyle/>
-              <a:p>
-                <a:pPr algn="ctr">
-                  <a:defRPr/>
-                </a:pPr>
-                <a:endParaRPr lang="ja-JP" altLang="en-US"/>
-              </a:p>
-            </p:txBody>
-          </p:sp>
-          <p:sp>
-            <p:nvSpPr>
-              <p:cNvPr id="7" name="二等辺三角形 6"/>
-              <p:cNvSpPr/>
-              <p:nvPr/>
-            </p:nvSpPr>
-            <p:spPr>
-              <a:xfrm flipH="1">
-                <a:off x="2819262" y="2667000"/>
-                <a:ext cx="1752738" cy="1905000"/>
-              </a:xfrm>
-              <a:prstGeom prst="triangle">
-                <a:avLst>
-                  <a:gd name="adj" fmla="val 34183"/>
-                </a:avLst>
-              </a:prstGeom>
-              <a:noFill/>
-            </p:spPr>
-            <p:style>
-              <a:lnRef idx="2">
-                <a:schemeClr val="accent1">
-                  <a:shade val="50000"/>
-                </a:schemeClr>
-              </a:lnRef>
-              <a:fillRef idx="1">
-                <a:schemeClr val="accent1"/>
-              </a:fillRef>
-              <a:effectRef idx="0">
-                <a:schemeClr val="accent1"/>
-              </a:effectRef>
-              <a:fontRef idx="minor">
-                <a:schemeClr val="lt1"/>
-              </a:fontRef>
-            </p:style>
-            <p:txBody>
-              <a:bodyPr anchor="ctr"/>
-              <a:lstStyle/>
-              <a:p>
-                <a:pPr algn="ctr">
-                  <a:defRPr/>
-                </a:pPr>
-                <a:endParaRPr lang="ja-JP" altLang="en-US"/>
-              </a:p>
-            </p:txBody>
-          </p:sp>
-        </p:grpSp>
-        <p:sp>
-          <p:nvSpPr>
-            <p:cNvPr id="13341" name="テキスト ボックス 9"/>
-            <p:cNvSpPr txBox="1">
-              <a:spLocks noChangeArrowheads="1"/>
-            </p:cNvSpPr>
-            <p:nvPr/>
-          </p:nvSpPr>
-          <p:spPr bwMode="auto">
-            <a:xfrm>
-              <a:off x="3477665" y="3053834"/>
-              <a:ext cx="633507" cy="369332"/>
-            </a:xfrm>
-            <a:prstGeom prst="rect">
-              <a:avLst/>
-            </a:prstGeom>
-            <a:noFill/>
-            <a:ln>
-              <a:noFill/>
-            </a:ln>
-            <a:extLst>
-              <a:ext uri="{909E8E84-426E-40DD-AFC4-6F175D3DCCD1}">
-                <a14:hiddenFill xmlns:a14="http://schemas.microsoft.com/office/drawing/2010/main">
-                  <a:solidFill>
-                    <a:srgbClr val="FFFFFF"/>
-                  </a:solidFill>
-                </a14:hiddenFill>
-              </a:ext>
-              <a:ext uri="{91240B29-F687-4F45-9708-019B960494DF}">
-                <a14:hiddenLine xmlns:a14="http://schemas.microsoft.com/office/drawing/2010/main" w="9525">
-                  <a:solidFill>
-                    <a:srgbClr val="000000"/>
-                  </a:solidFill>
-                  <a:miter lim="800000"/>
-                  <a:headEnd/>
-                  <a:tailEnd/>
-                </a14:hiddenLine>
-              </a:ext>
-            </a:extLst>
-          </p:spPr>
-          <p:txBody>
-            <a:bodyPr wrap="none">
-              <a:spAutoFit/>
-            </a:bodyPr>
-            <a:lstStyle>
-              <a:lvl1pPr>
-                <a:defRPr kumimoji="1">
-                  <a:solidFill>
-                    <a:schemeClr val="tx1"/>
-                  </a:solidFill>
-                  <a:latin typeface="Arial" panose="020B0604020202020204" pitchFamily="34" charset="0"/>
-                  <a:ea typeface="ＭＳ Ｐゴシック" panose="020B0600070205080204" pitchFamily="50" charset="-128"/>
-                </a:defRPr>
-              </a:lvl1pPr>
-              <a:lvl2pPr marL="742950" indent="-285750">
-                <a:defRPr kumimoji="1">
-                  <a:solidFill>
-                    <a:schemeClr val="tx1"/>
-                  </a:solidFill>
-                  <a:latin typeface="Arial" panose="020B0604020202020204" pitchFamily="34" charset="0"/>
-                  <a:ea typeface="ＭＳ Ｐゴシック" panose="020B0600070205080204" pitchFamily="50" charset="-128"/>
-                </a:defRPr>
-              </a:lvl2pPr>
-              <a:lvl3pPr marL="1143000" indent="-228600">
-                <a:defRPr kumimoji="1">
-                  <a:solidFill>
-                    <a:schemeClr val="tx1"/>
-                  </a:solidFill>
-                  <a:latin typeface="Arial" panose="020B0604020202020204" pitchFamily="34" charset="0"/>
-                  <a:ea typeface="ＭＳ Ｐゴシック" panose="020B0600070205080204" pitchFamily="50" charset="-128"/>
-                </a:defRPr>
-              </a:lvl3pPr>
-              <a:lvl4pPr marL="1600200" indent="-228600">
-                <a:defRPr kumimoji="1">
-                  <a:solidFill>
-                    <a:schemeClr val="tx1"/>
-                  </a:solidFill>
-                  <a:latin typeface="Arial" panose="020B0604020202020204" pitchFamily="34" charset="0"/>
-                  <a:ea typeface="ＭＳ Ｐゴシック" panose="020B0600070205080204" pitchFamily="50" charset="-128"/>
-                </a:defRPr>
-              </a:lvl4pPr>
-              <a:lvl5pPr marL="2057400" indent="-228600">
-                <a:defRPr kumimoji="1">
-                  <a:solidFill>
-                    <a:schemeClr val="tx1"/>
-                  </a:solidFill>
-                  <a:latin typeface="Arial" panose="020B0604020202020204" pitchFamily="34" charset="0"/>
-                  <a:ea typeface="ＭＳ Ｐゴシック" panose="020B0600070205080204" pitchFamily="50" charset="-128"/>
-                </a:defRPr>
-              </a:lvl5pPr>
-              <a:lvl6pPr marL="2514600" indent="-228600" eaLnBrk="0" fontAlgn="base" hangingPunct="0">
-                <a:spcBef>
-                  <a:spcPct val="0"/>
-                </a:spcBef>
-                <a:spcAft>
-                  <a:spcPct val="0"/>
-                </a:spcAft>
-                <a:defRPr kumimoji="1">
-                  <a:solidFill>
-                    <a:schemeClr val="tx1"/>
-                  </a:solidFill>
-                  <a:latin typeface="Arial" panose="020B0604020202020204" pitchFamily="34" charset="0"/>
-                  <a:ea typeface="ＭＳ Ｐゴシック" panose="020B0600070205080204" pitchFamily="50" charset="-128"/>
-                </a:defRPr>
-              </a:lvl6pPr>
-              <a:lvl7pPr marL="2971800" indent="-228600" eaLnBrk="0" fontAlgn="base" hangingPunct="0">
-                <a:spcBef>
-                  <a:spcPct val="0"/>
-                </a:spcBef>
-                <a:spcAft>
-                  <a:spcPct val="0"/>
-                </a:spcAft>
-                <a:defRPr kumimoji="1">
-                  <a:solidFill>
-                    <a:schemeClr val="tx1"/>
-                  </a:solidFill>
-                  <a:latin typeface="Arial" panose="020B0604020202020204" pitchFamily="34" charset="0"/>
-                  <a:ea typeface="ＭＳ Ｐゴシック" panose="020B0600070205080204" pitchFamily="50" charset="-128"/>
-                </a:defRPr>
-              </a:lvl7pPr>
-              <a:lvl8pPr marL="3429000" indent="-228600" eaLnBrk="0" fontAlgn="base" hangingPunct="0">
-                <a:spcBef>
-                  <a:spcPct val="0"/>
-                </a:spcBef>
-                <a:spcAft>
-                  <a:spcPct val="0"/>
-                </a:spcAft>
-                <a:defRPr kumimoji="1">
-                  <a:solidFill>
-                    <a:schemeClr val="tx1"/>
-                  </a:solidFill>
-                  <a:latin typeface="Arial" panose="020B0604020202020204" pitchFamily="34" charset="0"/>
-                  <a:ea typeface="ＭＳ Ｐゴシック" panose="020B0600070205080204" pitchFamily="50" charset="-128"/>
-                </a:defRPr>
-              </a:lvl8pPr>
-              <a:lvl9pPr marL="3886200" indent="-228600" eaLnBrk="0" fontAlgn="base" hangingPunct="0">
-                <a:spcBef>
-                  <a:spcPct val="0"/>
-                </a:spcBef>
-                <a:spcAft>
-                  <a:spcPct val="0"/>
-                </a:spcAft>
-                <a:defRPr kumimoji="1">
-                  <a:solidFill>
-                    <a:schemeClr val="tx1"/>
-                  </a:solidFill>
-                  <a:latin typeface="Arial" panose="020B0604020202020204" pitchFamily="34" charset="0"/>
-                  <a:ea typeface="ＭＳ Ｐゴシック" panose="020B0600070205080204" pitchFamily="50" charset="-128"/>
-                </a:defRPr>
-              </a:lvl9pPr>
-            </a:lstStyle>
-            <a:p>
-              <a:r>
-                <a:rPr lang="ja-JP" altLang="en-US"/>
-                <a:t>暑い</a:t>
-              </a:r>
-            </a:p>
-          </p:txBody>
-        </p:sp>
-        <p:sp>
-          <p:nvSpPr>
-            <p:cNvPr id="13342" name="テキスト ボックス 10"/>
-            <p:cNvSpPr txBox="1">
-              <a:spLocks noChangeArrowheads="1"/>
-            </p:cNvSpPr>
-            <p:nvPr/>
-          </p:nvSpPr>
-          <p:spPr bwMode="auto">
-            <a:xfrm>
-              <a:off x="2041634" y="3212068"/>
-              <a:ext cx="809837" cy="369332"/>
-            </a:xfrm>
-            <a:prstGeom prst="rect">
-              <a:avLst/>
-            </a:prstGeom>
-            <a:noFill/>
-            <a:ln>
-              <a:noFill/>
-            </a:ln>
-            <a:extLst>
-              <a:ext uri="{909E8E84-426E-40DD-AFC4-6F175D3DCCD1}">
-                <a14:hiddenFill xmlns:a14="http://schemas.microsoft.com/office/drawing/2010/main">
-                  <a:solidFill>
-                    <a:srgbClr val="FFFFFF"/>
-                  </a:solidFill>
-                </a14:hiddenFill>
-              </a:ext>
-              <a:ext uri="{91240B29-F687-4F45-9708-019B960494DF}">
-                <a14:hiddenLine xmlns:a14="http://schemas.microsoft.com/office/drawing/2010/main" w="9525">
-                  <a:solidFill>
-                    <a:srgbClr val="000000"/>
-                  </a:solidFill>
-                  <a:miter lim="800000"/>
-                  <a:headEnd/>
-                  <a:tailEnd/>
-                </a14:hiddenLine>
-              </a:ext>
-            </a:extLst>
-          </p:spPr>
-          <p:txBody>
-            <a:bodyPr wrap="none">
-              <a:spAutoFit/>
-            </a:bodyPr>
-            <a:lstStyle>
-              <a:lvl1pPr>
-                <a:defRPr kumimoji="1">
-                  <a:solidFill>
-                    <a:schemeClr val="tx1"/>
-                  </a:solidFill>
-                  <a:latin typeface="Arial" panose="020B0604020202020204" pitchFamily="34" charset="0"/>
-                  <a:ea typeface="ＭＳ Ｐゴシック" panose="020B0600070205080204" pitchFamily="50" charset="-128"/>
-                </a:defRPr>
-              </a:lvl1pPr>
-              <a:lvl2pPr marL="742950" indent="-285750">
-                <a:defRPr kumimoji="1">
-                  <a:solidFill>
-                    <a:schemeClr val="tx1"/>
-                  </a:solidFill>
-                  <a:latin typeface="Arial" panose="020B0604020202020204" pitchFamily="34" charset="0"/>
-                  <a:ea typeface="ＭＳ Ｐゴシック" panose="020B0600070205080204" pitchFamily="50" charset="-128"/>
-                </a:defRPr>
-              </a:lvl2pPr>
-              <a:lvl3pPr marL="1143000" indent="-228600">
-                <a:defRPr kumimoji="1">
-                  <a:solidFill>
-                    <a:schemeClr val="tx1"/>
-                  </a:solidFill>
-                  <a:latin typeface="Arial" panose="020B0604020202020204" pitchFamily="34" charset="0"/>
-                  <a:ea typeface="ＭＳ Ｐゴシック" panose="020B0600070205080204" pitchFamily="50" charset="-128"/>
-                </a:defRPr>
-              </a:lvl3pPr>
-              <a:lvl4pPr marL="1600200" indent="-228600">
-                <a:defRPr kumimoji="1">
-                  <a:solidFill>
-                    <a:schemeClr val="tx1"/>
-                  </a:solidFill>
-                  <a:latin typeface="Arial" panose="020B0604020202020204" pitchFamily="34" charset="0"/>
-                  <a:ea typeface="ＭＳ Ｐゴシック" panose="020B0600070205080204" pitchFamily="50" charset="-128"/>
-                </a:defRPr>
-              </a:lvl4pPr>
-              <a:lvl5pPr marL="2057400" indent="-228600">
-                <a:defRPr kumimoji="1">
-                  <a:solidFill>
-                    <a:schemeClr val="tx1"/>
-                  </a:solidFill>
-                  <a:latin typeface="Arial" panose="020B0604020202020204" pitchFamily="34" charset="0"/>
-                  <a:ea typeface="ＭＳ Ｐゴシック" panose="020B0600070205080204" pitchFamily="50" charset="-128"/>
-                </a:defRPr>
-              </a:lvl5pPr>
-              <a:lvl6pPr marL="2514600" indent="-228600" eaLnBrk="0" fontAlgn="base" hangingPunct="0">
-                <a:spcBef>
-                  <a:spcPct val="0"/>
-                </a:spcBef>
-                <a:spcAft>
-                  <a:spcPct val="0"/>
-                </a:spcAft>
-                <a:defRPr kumimoji="1">
-                  <a:solidFill>
-                    <a:schemeClr val="tx1"/>
-                  </a:solidFill>
-                  <a:latin typeface="Arial" panose="020B0604020202020204" pitchFamily="34" charset="0"/>
-                  <a:ea typeface="ＭＳ Ｐゴシック" panose="020B0600070205080204" pitchFamily="50" charset="-128"/>
-                </a:defRPr>
-              </a:lvl6pPr>
-              <a:lvl7pPr marL="2971800" indent="-228600" eaLnBrk="0" fontAlgn="base" hangingPunct="0">
-                <a:spcBef>
-                  <a:spcPct val="0"/>
-                </a:spcBef>
-                <a:spcAft>
-                  <a:spcPct val="0"/>
-                </a:spcAft>
-                <a:defRPr kumimoji="1">
-                  <a:solidFill>
-                    <a:schemeClr val="tx1"/>
-                  </a:solidFill>
-                  <a:latin typeface="Arial" panose="020B0604020202020204" pitchFamily="34" charset="0"/>
-                  <a:ea typeface="ＭＳ Ｐゴシック" panose="020B0600070205080204" pitchFamily="50" charset="-128"/>
-                </a:defRPr>
-              </a:lvl7pPr>
-              <a:lvl8pPr marL="3429000" indent="-228600" eaLnBrk="0" fontAlgn="base" hangingPunct="0">
-                <a:spcBef>
-                  <a:spcPct val="0"/>
-                </a:spcBef>
-                <a:spcAft>
-                  <a:spcPct val="0"/>
-                </a:spcAft>
-                <a:defRPr kumimoji="1">
-                  <a:solidFill>
-                    <a:schemeClr val="tx1"/>
-                  </a:solidFill>
-                  <a:latin typeface="Arial" panose="020B0604020202020204" pitchFamily="34" charset="0"/>
-                  <a:ea typeface="ＭＳ Ｐゴシック" panose="020B0600070205080204" pitchFamily="50" charset="-128"/>
-                </a:defRPr>
-              </a:lvl8pPr>
-              <a:lvl9pPr marL="3886200" indent="-228600" eaLnBrk="0" fontAlgn="base" hangingPunct="0">
-                <a:spcBef>
-                  <a:spcPct val="0"/>
-                </a:spcBef>
-                <a:spcAft>
-                  <a:spcPct val="0"/>
-                </a:spcAft>
-                <a:defRPr kumimoji="1">
-                  <a:solidFill>
-                    <a:schemeClr val="tx1"/>
-                  </a:solidFill>
-                  <a:latin typeface="Arial" panose="020B0604020202020204" pitchFamily="34" charset="0"/>
-                  <a:ea typeface="ＭＳ Ｐゴシック" panose="020B0600070205080204" pitchFamily="50" charset="-128"/>
-                </a:defRPr>
-              </a:lvl9pPr>
-            </a:lstStyle>
-            <a:p>
-              <a:r>
-                <a:rPr lang="ja-JP" altLang="en-US"/>
-                <a:t>涼しい</a:t>
-              </a:r>
-            </a:p>
-          </p:txBody>
-        </p:sp>
-        <p:sp>
-          <p:nvSpPr>
-            <p:cNvPr id="13343" name="テキスト ボックス 17"/>
-            <p:cNvSpPr txBox="1">
-              <a:spLocks noChangeArrowheads="1"/>
-            </p:cNvSpPr>
-            <p:nvPr/>
-          </p:nvSpPr>
-          <p:spPr bwMode="auto">
-            <a:xfrm>
-              <a:off x="667407" y="3027402"/>
-              <a:ext cx="633507" cy="369332"/>
-            </a:xfrm>
-            <a:prstGeom prst="rect">
-              <a:avLst/>
-            </a:prstGeom>
-            <a:noFill/>
-            <a:ln>
-              <a:noFill/>
-            </a:ln>
-            <a:extLst>
-              <a:ext uri="{909E8E84-426E-40DD-AFC4-6F175D3DCCD1}">
-                <a14:hiddenFill xmlns:a14="http://schemas.microsoft.com/office/drawing/2010/main">
-                  <a:solidFill>
-                    <a:srgbClr val="FFFFFF"/>
-                  </a:solidFill>
-                </a14:hiddenFill>
-              </a:ext>
-              <a:ext uri="{91240B29-F687-4F45-9708-019B960494DF}">
-                <a14:hiddenLine xmlns:a14="http://schemas.microsoft.com/office/drawing/2010/main" w="9525">
-                  <a:solidFill>
-                    <a:srgbClr val="000000"/>
-                  </a:solidFill>
-                  <a:miter lim="800000"/>
-                  <a:headEnd/>
-                  <a:tailEnd/>
-                </a14:hiddenLine>
-              </a:ext>
-            </a:extLst>
-          </p:spPr>
-          <p:txBody>
-            <a:bodyPr wrap="none">
-              <a:spAutoFit/>
-            </a:bodyPr>
-            <a:lstStyle>
-              <a:lvl1pPr>
-                <a:defRPr kumimoji="1">
-                  <a:solidFill>
-                    <a:schemeClr val="tx1"/>
-                  </a:solidFill>
-                  <a:latin typeface="Arial" panose="020B0604020202020204" pitchFamily="34" charset="0"/>
-                  <a:ea typeface="ＭＳ Ｐゴシック" panose="020B0600070205080204" pitchFamily="50" charset="-128"/>
-                </a:defRPr>
-              </a:lvl1pPr>
-              <a:lvl2pPr marL="742950" indent="-285750">
-                <a:defRPr kumimoji="1">
-                  <a:solidFill>
-                    <a:schemeClr val="tx1"/>
-                  </a:solidFill>
-                  <a:latin typeface="Arial" panose="020B0604020202020204" pitchFamily="34" charset="0"/>
-                  <a:ea typeface="ＭＳ Ｐゴシック" panose="020B0600070205080204" pitchFamily="50" charset="-128"/>
-                </a:defRPr>
-              </a:lvl2pPr>
-              <a:lvl3pPr marL="1143000" indent="-228600">
-                <a:defRPr kumimoji="1">
-                  <a:solidFill>
-                    <a:schemeClr val="tx1"/>
-                  </a:solidFill>
-                  <a:latin typeface="Arial" panose="020B0604020202020204" pitchFamily="34" charset="0"/>
-                  <a:ea typeface="ＭＳ Ｐゴシック" panose="020B0600070205080204" pitchFamily="50" charset="-128"/>
-                </a:defRPr>
-              </a:lvl3pPr>
-              <a:lvl4pPr marL="1600200" indent="-228600">
-                <a:defRPr kumimoji="1">
-                  <a:solidFill>
-                    <a:schemeClr val="tx1"/>
-                  </a:solidFill>
-                  <a:latin typeface="Arial" panose="020B0604020202020204" pitchFamily="34" charset="0"/>
-                  <a:ea typeface="ＭＳ Ｐゴシック" panose="020B0600070205080204" pitchFamily="50" charset="-128"/>
-                </a:defRPr>
-              </a:lvl4pPr>
-              <a:lvl5pPr marL="2057400" indent="-228600">
-                <a:defRPr kumimoji="1">
-                  <a:solidFill>
-                    <a:schemeClr val="tx1"/>
-                  </a:solidFill>
-                  <a:latin typeface="Arial" panose="020B0604020202020204" pitchFamily="34" charset="0"/>
-                  <a:ea typeface="ＭＳ Ｐゴシック" panose="020B0600070205080204" pitchFamily="50" charset="-128"/>
-                </a:defRPr>
-              </a:lvl5pPr>
-              <a:lvl6pPr marL="2514600" indent="-228600" eaLnBrk="0" fontAlgn="base" hangingPunct="0">
-                <a:spcBef>
-                  <a:spcPct val="0"/>
-                </a:spcBef>
-                <a:spcAft>
-                  <a:spcPct val="0"/>
-                </a:spcAft>
-                <a:defRPr kumimoji="1">
-                  <a:solidFill>
-                    <a:schemeClr val="tx1"/>
-                  </a:solidFill>
-                  <a:latin typeface="Arial" panose="020B0604020202020204" pitchFamily="34" charset="0"/>
-                  <a:ea typeface="ＭＳ Ｐゴシック" panose="020B0600070205080204" pitchFamily="50" charset="-128"/>
-                </a:defRPr>
-              </a:lvl6pPr>
-              <a:lvl7pPr marL="2971800" indent="-228600" eaLnBrk="0" fontAlgn="base" hangingPunct="0">
-                <a:spcBef>
-                  <a:spcPct val="0"/>
-                </a:spcBef>
-                <a:spcAft>
-                  <a:spcPct val="0"/>
-                </a:spcAft>
-                <a:defRPr kumimoji="1">
-                  <a:solidFill>
-                    <a:schemeClr val="tx1"/>
-                  </a:solidFill>
-                  <a:latin typeface="Arial" panose="020B0604020202020204" pitchFamily="34" charset="0"/>
-                  <a:ea typeface="ＭＳ Ｐゴシック" panose="020B0600070205080204" pitchFamily="50" charset="-128"/>
-                </a:defRPr>
-              </a:lvl7pPr>
-              <a:lvl8pPr marL="3429000" indent="-228600" eaLnBrk="0" fontAlgn="base" hangingPunct="0">
-                <a:spcBef>
-                  <a:spcPct val="0"/>
-                </a:spcBef>
-                <a:spcAft>
-                  <a:spcPct val="0"/>
-                </a:spcAft>
-                <a:defRPr kumimoji="1">
-                  <a:solidFill>
-                    <a:schemeClr val="tx1"/>
-                  </a:solidFill>
-                  <a:latin typeface="Arial" panose="020B0604020202020204" pitchFamily="34" charset="0"/>
-                  <a:ea typeface="ＭＳ Ｐゴシック" panose="020B0600070205080204" pitchFamily="50" charset="-128"/>
-                </a:defRPr>
-              </a:lvl8pPr>
-              <a:lvl9pPr marL="3886200" indent="-228600" eaLnBrk="0" fontAlgn="base" hangingPunct="0">
-                <a:spcBef>
-                  <a:spcPct val="0"/>
-                </a:spcBef>
-                <a:spcAft>
-                  <a:spcPct val="0"/>
-                </a:spcAft>
-                <a:defRPr kumimoji="1">
-                  <a:solidFill>
-                    <a:schemeClr val="tx1"/>
-                  </a:solidFill>
-                  <a:latin typeface="Arial" panose="020B0604020202020204" pitchFamily="34" charset="0"/>
-                  <a:ea typeface="ＭＳ Ｐゴシック" panose="020B0600070205080204" pitchFamily="50" charset="-128"/>
-                </a:defRPr>
-              </a:lvl9pPr>
-            </a:lstStyle>
-            <a:p>
-              <a:r>
-                <a:rPr lang="ja-JP" altLang="en-US"/>
-                <a:t>寒い</a:t>
-              </a:r>
-            </a:p>
-          </p:txBody>
-        </p:sp>
-      </p:grpSp>
-      <p:sp>
-        <p:nvSpPr>
-          <p:cNvPr id="20" name="スマイル 19"/>
-          <p:cNvSpPr/>
-          <p:nvPr/>
-        </p:nvSpPr>
-        <p:spPr>
-          <a:xfrm>
-            <a:off x="625475" y="3113088"/>
-            <a:ext cx="1371600" cy="1143000"/>
-          </a:xfrm>
-          <a:prstGeom prst="smileyFace">
-            <a:avLst/>
-          </a:prstGeom>
-        </p:spPr>
-        <p:style>
-          <a:lnRef idx="2">
-            <a:schemeClr val="accent1">
-              <a:shade val="50000"/>
-            </a:schemeClr>
-          </a:lnRef>
-          <a:fillRef idx="1">
-            <a:schemeClr val="accent1"/>
-          </a:fillRef>
-          <a:effectRef idx="0">
-            <a:schemeClr val="accent1"/>
-          </a:effectRef>
-          <a:fontRef idx="minor">
-            <a:schemeClr val="lt1"/>
-          </a:fontRef>
-        </p:style>
-        <p:txBody>
-          <a:bodyPr anchor="ctr"/>
-          <a:lstStyle/>
-          <a:p>
-            <a:pPr algn="ctr">
-              <a:defRPr/>
-            </a:pPr>
-            <a:endParaRPr lang="ja-JP" altLang="en-US"/>
-          </a:p>
-        </p:txBody>
-      </p:sp>
-      <p:sp>
-        <p:nvSpPr>
-          <p:cNvPr id="21" name="スマイル 20"/>
-          <p:cNvSpPr/>
-          <p:nvPr/>
-        </p:nvSpPr>
-        <p:spPr>
-          <a:xfrm>
-            <a:off x="3322638" y="3252788"/>
-            <a:ext cx="1371600" cy="1143000"/>
-          </a:xfrm>
-          <a:prstGeom prst="smileyFace">
-            <a:avLst/>
-          </a:prstGeom>
-        </p:spPr>
-        <p:style>
-          <a:lnRef idx="2">
-            <a:schemeClr val="accent1">
-              <a:shade val="50000"/>
-            </a:schemeClr>
-          </a:lnRef>
-          <a:fillRef idx="1">
-            <a:schemeClr val="accent1"/>
-          </a:fillRef>
-          <a:effectRef idx="0">
-            <a:schemeClr val="accent1"/>
-          </a:effectRef>
-          <a:fontRef idx="minor">
-            <a:schemeClr val="lt1"/>
-          </a:fontRef>
-        </p:style>
-        <p:txBody>
-          <a:bodyPr anchor="ctr"/>
-          <a:lstStyle/>
-          <a:p>
-            <a:pPr algn="ctr">
-              <a:defRPr/>
-            </a:pPr>
-            <a:endParaRPr lang="ja-JP" altLang="en-US"/>
-          </a:p>
-        </p:txBody>
-      </p:sp>
-      <p:sp>
-        <p:nvSpPr>
-          <p:cNvPr id="22" name="スマイル 21"/>
-          <p:cNvSpPr/>
-          <p:nvPr/>
-        </p:nvSpPr>
-        <p:spPr>
-          <a:xfrm>
-            <a:off x="6540500" y="3146425"/>
-            <a:ext cx="1371600" cy="1143000"/>
-          </a:xfrm>
-          <a:prstGeom prst="smileyFace">
-            <a:avLst>
-              <a:gd name="adj" fmla="val -4653"/>
-            </a:avLst>
-          </a:prstGeom>
-        </p:spPr>
-        <p:style>
-          <a:lnRef idx="2">
-            <a:schemeClr val="accent1">
-              <a:shade val="50000"/>
-            </a:schemeClr>
-          </a:lnRef>
-          <a:fillRef idx="1">
-            <a:schemeClr val="accent1"/>
-          </a:fillRef>
-          <a:effectRef idx="0">
-            <a:schemeClr val="accent1"/>
-          </a:effectRef>
-          <a:fontRef idx="minor">
-            <a:schemeClr val="lt1"/>
-          </a:fontRef>
-        </p:style>
-        <p:txBody>
-          <a:bodyPr anchor="ctr"/>
-          <a:lstStyle/>
-          <a:p>
-            <a:pPr algn="ctr">
-              <a:defRPr/>
-            </a:pPr>
-            <a:endParaRPr lang="ja-JP" altLang="en-US"/>
-          </a:p>
-        </p:txBody>
-      </p:sp>
-      <p:sp>
-        <p:nvSpPr>
-          <p:cNvPr id="13320" name="テキスト ボックス 22"/>
-          <p:cNvSpPr txBox="1">
-            <a:spLocks noChangeArrowheads="1"/>
-          </p:cNvSpPr>
-          <p:nvPr/>
-        </p:nvSpPr>
-        <p:spPr bwMode="auto">
-          <a:xfrm>
-            <a:off x="381000" y="2036763"/>
-            <a:ext cx="1447800" cy="369887"/>
-          </a:xfrm>
-          <a:prstGeom prst="rect">
-            <a:avLst/>
-          </a:prstGeom>
-          <a:noFill/>
-          <a:ln>
-            <a:noFill/>
-          </a:ln>
-          <a:extLst>
-            <a:ext uri="{909E8E84-426E-40DD-AFC4-6F175D3DCCD1}">
-              <a14:hiddenFill xmlns:a14="http://schemas.microsoft.com/office/drawing/2010/main">
-                <a:solidFill>
-                  <a:srgbClr val="FFFFFF"/>
-                </a:solidFill>
-              </a14:hiddenFill>
-            </a:ext>
-            <a:ext uri="{91240B29-F687-4F45-9708-019B960494DF}">
-              <a14:hiddenLine xmlns:a14="http://schemas.microsoft.com/office/drawing/2010/main" w="9525">
-                <a:solidFill>
-                  <a:srgbClr val="000000"/>
-                </a:solidFill>
-                <a:miter lim="800000"/>
-                <a:headEnd/>
-                <a:tailEnd/>
-              </a14:hiddenLine>
-            </a:ext>
-          </a:extLst>
-        </p:spPr>
-        <p:txBody>
-          <a:bodyPr>
-            <a:spAutoFit/>
-          </a:bodyPr>
-          <a:lstStyle>
-            <a:lvl1pPr>
-              <a:defRPr kumimoji="1">
-                <a:solidFill>
-                  <a:schemeClr val="tx1"/>
-                </a:solidFill>
-                <a:latin typeface="Arial" panose="020B0604020202020204" pitchFamily="34" charset="0"/>
-                <a:ea typeface="ＭＳ Ｐゴシック" panose="020B0600070205080204" pitchFamily="50" charset="-128"/>
-              </a:defRPr>
-            </a:lvl1pPr>
-            <a:lvl2pPr marL="742950" indent="-285750">
-              <a:defRPr kumimoji="1">
-                <a:solidFill>
-                  <a:schemeClr val="tx1"/>
-                </a:solidFill>
-                <a:latin typeface="Arial" panose="020B0604020202020204" pitchFamily="34" charset="0"/>
-                <a:ea typeface="ＭＳ Ｐゴシック" panose="020B0600070205080204" pitchFamily="50" charset="-128"/>
-              </a:defRPr>
-            </a:lvl2pPr>
-            <a:lvl3pPr marL="1143000" indent="-228600">
-              <a:defRPr kumimoji="1">
-                <a:solidFill>
-                  <a:schemeClr val="tx1"/>
-                </a:solidFill>
-                <a:latin typeface="Arial" panose="020B0604020202020204" pitchFamily="34" charset="0"/>
-                <a:ea typeface="ＭＳ Ｐゴシック" panose="020B0600070205080204" pitchFamily="50" charset="-128"/>
-              </a:defRPr>
-            </a:lvl3pPr>
-            <a:lvl4pPr marL="1600200" indent="-228600">
-              <a:defRPr kumimoji="1">
-                <a:solidFill>
-                  <a:schemeClr val="tx1"/>
-                </a:solidFill>
-                <a:latin typeface="Arial" panose="020B0604020202020204" pitchFamily="34" charset="0"/>
-                <a:ea typeface="ＭＳ Ｐゴシック" panose="020B0600070205080204" pitchFamily="50" charset="-128"/>
-              </a:defRPr>
-            </a:lvl4pPr>
-            <a:lvl5pPr marL="2057400" indent="-228600">
-              <a:defRPr kumimoji="1">
-                <a:solidFill>
-                  <a:schemeClr val="tx1"/>
-                </a:solidFill>
-                <a:latin typeface="Arial" panose="020B0604020202020204" pitchFamily="34" charset="0"/>
-                <a:ea typeface="ＭＳ Ｐゴシック" panose="020B0600070205080204" pitchFamily="50" charset="-128"/>
-              </a:defRPr>
-            </a:lvl5pPr>
-            <a:lvl6pPr marL="2514600" indent="-228600" eaLnBrk="0" fontAlgn="base" hangingPunct="0">
-              <a:spcBef>
-                <a:spcPct val="0"/>
-              </a:spcBef>
-              <a:spcAft>
-                <a:spcPct val="0"/>
-              </a:spcAft>
-              <a:defRPr kumimoji="1">
-                <a:solidFill>
-                  <a:schemeClr val="tx1"/>
-                </a:solidFill>
-                <a:latin typeface="Arial" panose="020B0604020202020204" pitchFamily="34" charset="0"/>
-                <a:ea typeface="ＭＳ Ｐゴシック" panose="020B0600070205080204" pitchFamily="50" charset="-128"/>
-              </a:defRPr>
-            </a:lvl6pPr>
-            <a:lvl7pPr marL="2971800" indent="-228600" eaLnBrk="0" fontAlgn="base" hangingPunct="0">
-              <a:spcBef>
-                <a:spcPct val="0"/>
-              </a:spcBef>
-              <a:spcAft>
-                <a:spcPct val="0"/>
-              </a:spcAft>
-              <a:defRPr kumimoji="1">
-                <a:solidFill>
-                  <a:schemeClr val="tx1"/>
-                </a:solidFill>
-                <a:latin typeface="Arial" panose="020B0604020202020204" pitchFamily="34" charset="0"/>
-                <a:ea typeface="ＭＳ Ｐゴシック" panose="020B0600070205080204" pitchFamily="50" charset="-128"/>
-              </a:defRPr>
-            </a:lvl7pPr>
-            <a:lvl8pPr marL="3429000" indent="-228600" eaLnBrk="0" fontAlgn="base" hangingPunct="0">
-              <a:spcBef>
-                <a:spcPct val="0"/>
-              </a:spcBef>
-              <a:spcAft>
-                <a:spcPct val="0"/>
-              </a:spcAft>
-              <a:defRPr kumimoji="1">
-                <a:solidFill>
-                  <a:schemeClr val="tx1"/>
-                </a:solidFill>
-                <a:latin typeface="Arial" panose="020B0604020202020204" pitchFamily="34" charset="0"/>
-                <a:ea typeface="ＭＳ Ｐゴシック" panose="020B0600070205080204" pitchFamily="50" charset="-128"/>
-              </a:defRPr>
-            </a:lvl8pPr>
-            <a:lvl9pPr marL="3886200" indent="-228600" eaLnBrk="0" fontAlgn="base" hangingPunct="0">
-              <a:spcBef>
-                <a:spcPct val="0"/>
-              </a:spcBef>
-              <a:spcAft>
-                <a:spcPct val="0"/>
-              </a:spcAft>
-              <a:defRPr kumimoji="1">
-                <a:solidFill>
-                  <a:schemeClr val="tx1"/>
-                </a:solidFill>
-                <a:latin typeface="Arial" panose="020B0604020202020204" pitchFamily="34" charset="0"/>
-                <a:ea typeface="ＭＳ Ｐゴシック" panose="020B0600070205080204" pitchFamily="50" charset="-128"/>
-              </a:defRPr>
-            </a:lvl9pPr>
-          </a:lstStyle>
-          <a:p>
-            <a:r>
-              <a:rPr lang="ja-JP" altLang="en-US"/>
-              <a:t>温度：</a:t>
-            </a:r>
-            <a:r>
-              <a:rPr lang="en-US" altLang="ja-JP"/>
-              <a:t>26</a:t>
-            </a:r>
-            <a:r>
-              <a:rPr lang="ja-JP" altLang="en-US"/>
-              <a:t>℃</a:t>
-            </a:r>
-            <a:endParaRPr lang="en-US" altLang="ja-JP"/>
-          </a:p>
-        </p:txBody>
-      </p:sp>
-      <p:sp>
-        <p:nvSpPr>
-          <p:cNvPr id="13321" name="テキスト ボックス 44"/>
-          <p:cNvSpPr txBox="1">
-            <a:spLocks noChangeArrowheads="1"/>
-          </p:cNvSpPr>
-          <p:nvPr/>
-        </p:nvSpPr>
-        <p:spPr bwMode="auto">
-          <a:xfrm>
-            <a:off x="439738" y="2447925"/>
-            <a:ext cx="5257800" cy="646113"/>
-          </a:xfrm>
-          <a:prstGeom prst="rect">
-            <a:avLst/>
-          </a:prstGeom>
-          <a:noFill/>
-          <a:ln>
-            <a:noFill/>
-          </a:ln>
-          <a:extLst>
-            <a:ext uri="{909E8E84-426E-40DD-AFC4-6F175D3DCCD1}">
-              <a14:hiddenFill xmlns:a14="http://schemas.microsoft.com/office/drawing/2010/main">
-                <a:solidFill>
-                  <a:srgbClr val="FFFFFF"/>
-                </a:solidFill>
-              </a14:hiddenFill>
-            </a:ext>
-            <a:ext uri="{91240B29-F687-4F45-9708-019B960494DF}">
-              <a14:hiddenLine xmlns:a14="http://schemas.microsoft.com/office/drawing/2010/main" w="9525">
-                <a:solidFill>
-                  <a:srgbClr val="000000"/>
-                </a:solidFill>
-                <a:miter lim="800000"/>
-                <a:headEnd/>
-                <a:tailEnd/>
-              </a14:hiddenLine>
-            </a:ext>
-          </a:extLst>
-        </p:spPr>
-        <p:txBody>
-          <a:bodyPr>
-            <a:spAutoFit/>
-          </a:bodyPr>
-          <a:lstStyle>
-            <a:lvl1pPr>
-              <a:defRPr kumimoji="1">
-                <a:solidFill>
-                  <a:schemeClr val="tx1"/>
-                </a:solidFill>
-                <a:latin typeface="Arial" panose="020B0604020202020204" pitchFamily="34" charset="0"/>
-                <a:ea typeface="ＭＳ Ｐゴシック" panose="020B0600070205080204" pitchFamily="50" charset="-128"/>
-              </a:defRPr>
-            </a:lvl1pPr>
-            <a:lvl2pPr marL="742950" indent="-285750">
-              <a:defRPr kumimoji="1">
-                <a:solidFill>
-                  <a:schemeClr val="tx1"/>
-                </a:solidFill>
-                <a:latin typeface="Arial" panose="020B0604020202020204" pitchFamily="34" charset="0"/>
-                <a:ea typeface="ＭＳ Ｐゴシック" panose="020B0600070205080204" pitchFamily="50" charset="-128"/>
-              </a:defRPr>
-            </a:lvl2pPr>
-            <a:lvl3pPr marL="1143000" indent="-228600">
-              <a:defRPr kumimoji="1">
-                <a:solidFill>
-                  <a:schemeClr val="tx1"/>
-                </a:solidFill>
-                <a:latin typeface="Arial" panose="020B0604020202020204" pitchFamily="34" charset="0"/>
-                <a:ea typeface="ＭＳ Ｐゴシック" panose="020B0600070205080204" pitchFamily="50" charset="-128"/>
-              </a:defRPr>
-            </a:lvl3pPr>
-            <a:lvl4pPr marL="1600200" indent="-228600">
-              <a:defRPr kumimoji="1">
-                <a:solidFill>
-                  <a:schemeClr val="tx1"/>
-                </a:solidFill>
-                <a:latin typeface="Arial" panose="020B0604020202020204" pitchFamily="34" charset="0"/>
-                <a:ea typeface="ＭＳ Ｐゴシック" panose="020B0600070205080204" pitchFamily="50" charset="-128"/>
-              </a:defRPr>
-            </a:lvl4pPr>
-            <a:lvl5pPr marL="2057400" indent="-228600">
-              <a:defRPr kumimoji="1">
-                <a:solidFill>
-                  <a:schemeClr val="tx1"/>
-                </a:solidFill>
-                <a:latin typeface="Arial" panose="020B0604020202020204" pitchFamily="34" charset="0"/>
-                <a:ea typeface="ＭＳ Ｐゴシック" panose="020B0600070205080204" pitchFamily="50" charset="-128"/>
-              </a:defRPr>
-            </a:lvl5pPr>
-            <a:lvl6pPr marL="2514600" indent="-228600" eaLnBrk="0" fontAlgn="base" hangingPunct="0">
-              <a:spcBef>
-                <a:spcPct val="0"/>
-              </a:spcBef>
-              <a:spcAft>
-                <a:spcPct val="0"/>
-              </a:spcAft>
-              <a:defRPr kumimoji="1">
-                <a:solidFill>
-                  <a:schemeClr val="tx1"/>
-                </a:solidFill>
-                <a:latin typeface="Arial" panose="020B0604020202020204" pitchFamily="34" charset="0"/>
-                <a:ea typeface="ＭＳ Ｐゴシック" panose="020B0600070205080204" pitchFamily="50" charset="-128"/>
-              </a:defRPr>
-            </a:lvl6pPr>
-            <a:lvl7pPr marL="2971800" indent="-228600" eaLnBrk="0" fontAlgn="base" hangingPunct="0">
-              <a:spcBef>
-                <a:spcPct val="0"/>
-              </a:spcBef>
-              <a:spcAft>
-                <a:spcPct val="0"/>
-              </a:spcAft>
-              <a:defRPr kumimoji="1">
-                <a:solidFill>
-                  <a:schemeClr val="tx1"/>
-                </a:solidFill>
-                <a:latin typeface="Arial" panose="020B0604020202020204" pitchFamily="34" charset="0"/>
-                <a:ea typeface="ＭＳ Ｐゴシック" panose="020B0600070205080204" pitchFamily="50" charset="-128"/>
-              </a:defRPr>
-            </a:lvl7pPr>
-            <a:lvl8pPr marL="3429000" indent="-228600" eaLnBrk="0" fontAlgn="base" hangingPunct="0">
-              <a:spcBef>
-                <a:spcPct val="0"/>
-              </a:spcBef>
-              <a:spcAft>
-                <a:spcPct val="0"/>
-              </a:spcAft>
-              <a:defRPr kumimoji="1">
-                <a:solidFill>
-                  <a:schemeClr val="tx1"/>
-                </a:solidFill>
-                <a:latin typeface="Arial" panose="020B0604020202020204" pitchFamily="34" charset="0"/>
-                <a:ea typeface="ＭＳ Ｐゴシック" panose="020B0600070205080204" pitchFamily="50" charset="-128"/>
-              </a:defRPr>
-            </a:lvl8pPr>
-            <a:lvl9pPr marL="3886200" indent="-228600" eaLnBrk="0" fontAlgn="base" hangingPunct="0">
-              <a:spcBef>
-                <a:spcPct val="0"/>
-              </a:spcBef>
-              <a:spcAft>
-                <a:spcPct val="0"/>
-              </a:spcAft>
-              <a:defRPr kumimoji="1">
-                <a:solidFill>
-                  <a:schemeClr val="tx1"/>
-                </a:solidFill>
-                <a:latin typeface="Arial" panose="020B0604020202020204" pitchFamily="34" charset="0"/>
-                <a:ea typeface="ＭＳ Ｐゴシック" panose="020B0600070205080204" pitchFamily="50" charset="-128"/>
-              </a:defRPr>
-            </a:lvl9pPr>
-          </a:lstStyle>
-          <a:p>
-            <a:r>
-              <a:rPr lang="ja-JP" altLang="en-US"/>
-              <a:t>人によって感じ方が違うのは人によって持っているファジィ集合が違うから</a:t>
-            </a:r>
-          </a:p>
-        </p:txBody>
-      </p:sp>
-      <p:grpSp>
-        <p:nvGrpSpPr>
-          <p:cNvPr id="13322" name="グループ化 45"/>
-          <p:cNvGrpSpPr>
-            <a:grpSpLocks/>
-          </p:cNvGrpSpPr>
-          <p:nvPr/>
-        </p:nvGrpSpPr>
-        <p:grpSpPr bwMode="auto">
-          <a:xfrm>
-            <a:off x="4025900" y="4616450"/>
-            <a:ext cx="3465513" cy="1905000"/>
-            <a:chOff x="667407" y="2286000"/>
-            <a:chExt cx="3465786" cy="1905000"/>
-          </a:xfrm>
-        </p:grpSpPr>
-        <p:grpSp>
-          <p:nvGrpSpPr>
-            <p:cNvPr id="13332" name="グループ化 46"/>
-            <p:cNvGrpSpPr>
-              <a:grpSpLocks/>
-            </p:cNvGrpSpPr>
-            <p:nvPr/>
-          </p:nvGrpSpPr>
-          <p:grpSpPr bwMode="auto">
-            <a:xfrm>
-              <a:off x="685800" y="2286000"/>
-              <a:ext cx="3447393" cy="1905000"/>
-              <a:chOff x="1124607" y="2667000"/>
-              <a:chExt cx="3447393" cy="1905000"/>
-            </a:xfrm>
-          </p:grpSpPr>
-          <p:sp>
-            <p:nvSpPr>
-              <p:cNvPr id="51" name="正方形/長方形 50"/>
-              <p:cNvSpPr/>
-              <p:nvPr/>
-            </p:nvSpPr>
-            <p:spPr>
-              <a:xfrm>
-                <a:off x="1144317" y="2667000"/>
-                <a:ext cx="3427683" cy="1905000"/>
-              </a:xfrm>
-              <a:prstGeom prst="rect">
-                <a:avLst/>
-              </a:prstGeom>
-            </p:spPr>
-            <p:style>
-              <a:lnRef idx="2">
-                <a:schemeClr val="accent1">
-                  <a:shade val="50000"/>
-                </a:schemeClr>
-              </a:lnRef>
-              <a:fillRef idx="1">
-                <a:schemeClr val="accent1"/>
-              </a:fillRef>
-              <a:effectRef idx="0">
-                <a:schemeClr val="accent1"/>
-              </a:effectRef>
-              <a:fontRef idx="minor">
-                <a:schemeClr val="lt1"/>
-              </a:fontRef>
-            </p:style>
-            <p:txBody>
-              <a:bodyPr anchor="ctr"/>
-              <a:lstStyle/>
-              <a:p>
-                <a:pPr algn="ctr">
-                  <a:defRPr/>
-                </a:pPr>
-                <a:endParaRPr lang="ja-JP" altLang="en-US"/>
-              </a:p>
-            </p:txBody>
-          </p:sp>
-          <p:sp>
-            <p:nvSpPr>
-              <p:cNvPr id="52" name="二等辺三角形 51"/>
-              <p:cNvSpPr/>
-              <p:nvPr/>
-            </p:nvSpPr>
-            <p:spPr>
-              <a:xfrm>
-                <a:off x="1125265" y="2667000"/>
-                <a:ext cx="3427683" cy="1905000"/>
-              </a:xfrm>
-              <a:prstGeom prst="triangle">
-                <a:avLst>
-                  <a:gd name="adj" fmla="val 72682"/>
-                </a:avLst>
-              </a:prstGeom>
-            </p:spPr>
-            <p:style>
-              <a:lnRef idx="2">
-                <a:schemeClr val="accent1">
-                  <a:shade val="50000"/>
-                </a:schemeClr>
-              </a:lnRef>
-              <a:fillRef idx="1">
-                <a:schemeClr val="accent1"/>
-              </a:fillRef>
-              <a:effectRef idx="0">
-                <a:schemeClr val="accent1"/>
-              </a:effectRef>
-              <a:fontRef idx="minor">
-                <a:schemeClr val="lt1"/>
-              </a:fontRef>
-            </p:style>
-            <p:txBody>
-              <a:bodyPr anchor="ctr"/>
-              <a:lstStyle/>
-              <a:p>
-                <a:pPr algn="ctr">
-                  <a:defRPr/>
-                </a:pPr>
-                <a:endParaRPr lang="ja-JP" altLang="en-US"/>
-              </a:p>
-            </p:txBody>
-          </p:sp>
-          <p:sp>
-            <p:nvSpPr>
-              <p:cNvPr id="53" name="二等辺三角形 52"/>
-              <p:cNvSpPr/>
-              <p:nvPr/>
-            </p:nvSpPr>
-            <p:spPr>
-              <a:xfrm>
-                <a:off x="1144317" y="2667000"/>
-                <a:ext cx="1674945" cy="1905000"/>
-              </a:xfrm>
-              <a:prstGeom prst="triangle">
-                <a:avLst>
-                  <a:gd name="adj" fmla="val 0"/>
-                </a:avLst>
-              </a:prstGeom>
-              <a:noFill/>
-            </p:spPr>
-            <p:style>
-              <a:lnRef idx="2">
-                <a:schemeClr val="accent1">
-                  <a:shade val="50000"/>
-                </a:schemeClr>
-              </a:lnRef>
-              <a:fillRef idx="1">
-                <a:schemeClr val="accent1"/>
-              </a:fillRef>
-              <a:effectRef idx="0">
-                <a:schemeClr val="accent1"/>
-              </a:effectRef>
-              <a:fontRef idx="minor">
-                <a:schemeClr val="lt1"/>
-              </a:fontRef>
-            </p:style>
-            <p:txBody>
-              <a:bodyPr anchor="ctr"/>
-              <a:lstStyle/>
-              <a:p>
-                <a:pPr algn="ctr">
-                  <a:defRPr/>
-                </a:pPr>
-                <a:endParaRPr lang="ja-JP" altLang="en-US"/>
-              </a:p>
-            </p:txBody>
-          </p:sp>
-          <p:sp>
-            <p:nvSpPr>
-              <p:cNvPr id="54" name="二等辺三角形 53"/>
-              <p:cNvSpPr/>
-              <p:nvPr/>
-            </p:nvSpPr>
-            <p:spPr>
-              <a:xfrm flipH="1">
-                <a:off x="2819262" y="2667000"/>
-                <a:ext cx="1752738" cy="1905000"/>
-              </a:xfrm>
-              <a:prstGeom prst="triangle">
-                <a:avLst>
-                  <a:gd name="adj" fmla="val 0"/>
-                </a:avLst>
-              </a:prstGeom>
-              <a:noFill/>
-            </p:spPr>
-            <p:style>
-              <a:lnRef idx="2">
-                <a:schemeClr val="accent1">
-                  <a:shade val="50000"/>
-                </a:schemeClr>
-              </a:lnRef>
-              <a:fillRef idx="1">
-                <a:schemeClr val="accent1"/>
-              </a:fillRef>
-              <a:effectRef idx="0">
-                <a:schemeClr val="accent1"/>
-              </a:effectRef>
-              <a:fontRef idx="minor">
-                <a:schemeClr val="lt1"/>
-              </a:fontRef>
-            </p:style>
-            <p:txBody>
-              <a:bodyPr anchor="ctr"/>
-              <a:lstStyle/>
-              <a:p>
-                <a:pPr algn="ctr">
-                  <a:defRPr/>
-                </a:pPr>
-                <a:endParaRPr lang="ja-JP" altLang="en-US"/>
-              </a:p>
-            </p:txBody>
-          </p:sp>
-        </p:grpSp>
-        <p:sp>
-          <p:nvSpPr>
-            <p:cNvPr id="13333" name="テキスト ボックス 47"/>
-            <p:cNvSpPr txBox="1">
-              <a:spLocks noChangeArrowheads="1"/>
-            </p:cNvSpPr>
-            <p:nvPr/>
-          </p:nvSpPr>
-          <p:spPr bwMode="auto">
-            <a:xfrm>
-              <a:off x="3477665" y="3053834"/>
-              <a:ext cx="633507" cy="369332"/>
-            </a:xfrm>
-            <a:prstGeom prst="rect">
-              <a:avLst/>
-            </a:prstGeom>
-            <a:noFill/>
-            <a:ln>
-              <a:noFill/>
-            </a:ln>
-            <a:extLst>
-              <a:ext uri="{909E8E84-426E-40DD-AFC4-6F175D3DCCD1}">
-                <a14:hiddenFill xmlns:a14="http://schemas.microsoft.com/office/drawing/2010/main">
-                  <a:solidFill>
-                    <a:srgbClr val="FFFFFF"/>
-                  </a:solidFill>
-                </a14:hiddenFill>
-              </a:ext>
-              <a:ext uri="{91240B29-F687-4F45-9708-019B960494DF}">
-                <a14:hiddenLine xmlns:a14="http://schemas.microsoft.com/office/drawing/2010/main" w="9525">
-                  <a:solidFill>
-                    <a:srgbClr val="000000"/>
-                  </a:solidFill>
-                  <a:miter lim="800000"/>
-                  <a:headEnd/>
-                  <a:tailEnd/>
-                </a14:hiddenLine>
-              </a:ext>
-            </a:extLst>
-          </p:spPr>
-          <p:txBody>
-            <a:bodyPr wrap="none">
-              <a:spAutoFit/>
-            </a:bodyPr>
-            <a:lstStyle>
-              <a:lvl1pPr>
-                <a:defRPr kumimoji="1">
-                  <a:solidFill>
-                    <a:schemeClr val="tx1"/>
-                  </a:solidFill>
-                  <a:latin typeface="Arial" panose="020B0604020202020204" pitchFamily="34" charset="0"/>
-                  <a:ea typeface="ＭＳ Ｐゴシック" panose="020B0600070205080204" pitchFamily="50" charset="-128"/>
-                </a:defRPr>
-              </a:lvl1pPr>
-              <a:lvl2pPr marL="742950" indent="-285750">
-                <a:defRPr kumimoji="1">
-                  <a:solidFill>
-                    <a:schemeClr val="tx1"/>
-                  </a:solidFill>
-                  <a:latin typeface="Arial" panose="020B0604020202020204" pitchFamily="34" charset="0"/>
-                  <a:ea typeface="ＭＳ Ｐゴシック" panose="020B0600070205080204" pitchFamily="50" charset="-128"/>
-                </a:defRPr>
-              </a:lvl2pPr>
-              <a:lvl3pPr marL="1143000" indent="-228600">
-                <a:defRPr kumimoji="1">
-                  <a:solidFill>
-                    <a:schemeClr val="tx1"/>
-                  </a:solidFill>
-                  <a:latin typeface="Arial" panose="020B0604020202020204" pitchFamily="34" charset="0"/>
-                  <a:ea typeface="ＭＳ Ｐゴシック" panose="020B0600070205080204" pitchFamily="50" charset="-128"/>
-                </a:defRPr>
-              </a:lvl3pPr>
-              <a:lvl4pPr marL="1600200" indent="-228600">
-                <a:defRPr kumimoji="1">
-                  <a:solidFill>
-                    <a:schemeClr val="tx1"/>
-                  </a:solidFill>
-                  <a:latin typeface="Arial" panose="020B0604020202020204" pitchFamily="34" charset="0"/>
-                  <a:ea typeface="ＭＳ Ｐゴシック" panose="020B0600070205080204" pitchFamily="50" charset="-128"/>
-                </a:defRPr>
-              </a:lvl4pPr>
-              <a:lvl5pPr marL="2057400" indent="-228600">
-                <a:defRPr kumimoji="1">
-                  <a:solidFill>
-                    <a:schemeClr val="tx1"/>
-                  </a:solidFill>
-                  <a:latin typeface="Arial" panose="020B0604020202020204" pitchFamily="34" charset="0"/>
-                  <a:ea typeface="ＭＳ Ｐゴシック" panose="020B0600070205080204" pitchFamily="50" charset="-128"/>
-                </a:defRPr>
-              </a:lvl5pPr>
-              <a:lvl6pPr marL="2514600" indent="-228600" eaLnBrk="0" fontAlgn="base" hangingPunct="0">
-                <a:spcBef>
-                  <a:spcPct val="0"/>
-                </a:spcBef>
-                <a:spcAft>
-                  <a:spcPct val="0"/>
-                </a:spcAft>
-                <a:defRPr kumimoji="1">
-                  <a:solidFill>
-                    <a:schemeClr val="tx1"/>
-                  </a:solidFill>
-                  <a:latin typeface="Arial" panose="020B0604020202020204" pitchFamily="34" charset="0"/>
-                  <a:ea typeface="ＭＳ Ｐゴシック" panose="020B0600070205080204" pitchFamily="50" charset="-128"/>
-                </a:defRPr>
-              </a:lvl6pPr>
-              <a:lvl7pPr marL="2971800" indent="-228600" eaLnBrk="0" fontAlgn="base" hangingPunct="0">
-                <a:spcBef>
-                  <a:spcPct val="0"/>
-                </a:spcBef>
-                <a:spcAft>
-                  <a:spcPct val="0"/>
-                </a:spcAft>
-                <a:defRPr kumimoji="1">
-                  <a:solidFill>
-                    <a:schemeClr val="tx1"/>
-                  </a:solidFill>
-                  <a:latin typeface="Arial" panose="020B0604020202020204" pitchFamily="34" charset="0"/>
-                  <a:ea typeface="ＭＳ Ｐゴシック" panose="020B0600070205080204" pitchFamily="50" charset="-128"/>
-                </a:defRPr>
-              </a:lvl7pPr>
-              <a:lvl8pPr marL="3429000" indent="-228600" eaLnBrk="0" fontAlgn="base" hangingPunct="0">
-                <a:spcBef>
-                  <a:spcPct val="0"/>
-                </a:spcBef>
-                <a:spcAft>
-                  <a:spcPct val="0"/>
-                </a:spcAft>
-                <a:defRPr kumimoji="1">
-                  <a:solidFill>
-                    <a:schemeClr val="tx1"/>
-                  </a:solidFill>
-                  <a:latin typeface="Arial" panose="020B0604020202020204" pitchFamily="34" charset="0"/>
-                  <a:ea typeface="ＭＳ Ｐゴシック" panose="020B0600070205080204" pitchFamily="50" charset="-128"/>
-                </a:defRPr>
-              </a:lvl8pPr>
-              <a:lvl9pPr marL="3886200" indent="-228600" eaLnBrk="0" fontAlgn="base" hangingPunct="0">
-                <a:spcBef>
-                  <a:spcPct val="0"/>
-                </a:spcBef>
-                <a:spcAft>
-                  <a:spcPct val="0"/>
-                </a:spcAft>
-                <a:defRPr kumimoji="1">
-                  <a:solidFill>
-                    <a:schemeClr val="tx1"/>
-                  </a:solidFill>
-                  <a:latin typeface="Arial" panose="020B0604020202020204" pitchFamily="34" charset="0"/>
-                  <a:ea typeface="ＭＳ Ｐゴシック" panose="020B0600070205080204" pitchFamily="50" charset="-128"/>
-                </a:defRPr>
-              </a:lvl9pPr>
-            </a:lstStyle>
-            <a:p>
-              <a:r>
-                <a:rPr lang="ja-JP" altLang="en-US"/>
-                <a:t>暑い</a:t>
-              </a:r>
-            </a:p>
-          </p:txBody>
-        </p:sp>
-        <p:sp>
-          <p:nvSpPr>
-            <p:cNvPr id="13334" name="テキスト ボックス 48"/>
-            <p:cNvSpPr txBox="1">
-              <a:spLocks noChangeArrowheads="1"/>
-            </p:cNvSpPr>
-            <p:nvPr/>
-          </p:nvSpPr>
-          <p:spPr bwMode="auto">
-            <a:xfrm>
-              <a:off x="2041634" y="3212068"/>
-              <a:ext cx="809837" cy="369332"/>
-            </a:xfrm>
-            <a:prstGeom prst="rect">
-              <a:avLst/>
-            </a:prstGeom>
-            <a:noFill/>
-            <a:ln>
-              <a:noFill/>
-            </a:ln>
-            <a:extLst>
-              <a:ext uri="{909E8E84-426E-40DD-AFC4-6F175D3DCCD1}">
-                <a14:hiddenFill xmlns:a14="http://schemas.microsoft.com/office/drawing/2010/main">
-                  <a:solidFill>
-                    <a:srgbClr val="FFFFFF"/>
-                  </a:solidFill>
-                </a14:hiddenFill>
-              </a:ext>
-              <a:ext uri="{91240B29-F687-4F45-9708-019B960494DF}">
-                <a14:hiddenLine xmlns:a14="http://schemas.microsoft.com/office/drawing/2010/main" w="9525">
-                  <a:solidFill>
-                    <a:srgbClr val="000000"/>
-                  </a:solidFill>
-                  <a:miter lim="800000"/>
-                  <a:headEnd/>
-                  <a:tailEnd/>
-                </a14:hiddenLine>
-              </a:ext>
-            </a:extLst>
-          </p:spPr>
-          <p:txBody>
-            <a:bodyPr wrap="none">
-              <a:spAutoFit/>
-            </a:bodyPr>
-            <a:lstStyle>
-              <a:lvl1pPr>
-                <a:defRPr kumimoji="1">
-                  <a:solidFill>
-                    <a:schemeClr val="tx1"/>
-                  </a:solidFill>
-                  <a:latin typeface="Arial" panose="020B0604020202020204" pitchFamily="34" charset="0"/>
-                  <a:ea typeface="ＭＳ Ｐゴシック" panose="020B0600070205080204" pitchFamily="50" charset="-128"/>
-                </a:defRPr>
-              </a:lvl1pPr>
-              <a:lvl2pPr marL="742950" indent="-285750">
-                <a:defRPr kumimoji="1">
-                  <a:solidFill>
-                    <a:schemeClr val="tx1"/>
-                  </a:solidFill>
-                  <a:latin typeface="Arial" panose="020B0604020202020204" pitchFamily="34" charset="0"/>
-                  <a:ea typeface="ＭＳ Ｐゴシック" panose="020B0600070205080204" pitchFamily="50" charset="-128"/>
-                </a:defRPr>
-              </a:lvl2pPr>
-              <a:lvl3pPr marL="1143000" indent="-228600">
-                <a:defRPr kumimoji="1">
-                  <a:solidFill>
-                    <a:schemeClr val="tx1"/>
-                  </a:solidFill>
-                  <a:latin typeface="Arial" panose="020B0604020202020204" pitchFamily="34" charset="0"/>
-                  <a:ea typeface="ＭＳ Ｐゴシック" panose="020B0600070205080204" pitchFamily="50" charset="-128"/>
-                </a:defRPr>
-              </a:lvl3pPr>
-              <a:lvl4pPr marL="1600200" indent="-228600">
-                <a:defRPr kumimoji="1">
-                  <a:solidFill>
-                    <a:schemeClr val="tx1"/>
-                  </a:solidFill>
-                  <a:latin typeface="Arial" panose="020B0604020202020204" pitchFamily="34" charset="0"/>
-                  <a:ea typeface="ＭＳ Ｐゴシック" panose="020B0600070205080204" pitchFamily="50" charset="-128"/>
-                </a:defRPr>
-              </a:lvl4pPr>
-              <a:lvl5pPr marL="2057400" indent="-228600">
-                <a:defRPr kumimoji="1">
-                  <a:solidFill>
-                    <a:schemeClr val="tx1"/>
-                  </a:solidFill>
-                  <a:latin typeface="Arial" panose="020B0604020202020204" pitchFamily="34" charset="0"/>
-                  <a:ea typeface="ＭＳ Ｐゴシック" panose="020B0600070205080204" pitchFamily="50" charset="-128"/>
-                </a:defRPr>
-              </a:lvl5pPr>
-              <a:lvl6pPr marL="2514600" indent="-228600" eaLnBrk="0" fontAlgn="base" hangingPunct="0">
-                <a:spcBef>
-                  <a:spcPct val="0"/>
-                </a:spcBef>
-                <a:spcAft>
-                  <a:spcPct val="0"/>
-                </a:spcAft>
-                <a:defRPr kumimoji="1">
-                  <a:solidFill>
-                    <a:schemeClr val="tx1"/>
-                  </a:solidFill>
-                  <a:latin typeface="Arial" panose="020B0604020202020204" pitchFamily="34" charset="0"/>
-                  <a:ea typeface="ＭＳ Ｐゴシック" panose="020B0600070205080204" pitchFamily="50" charset="-128"/>
-                </a:defRPr>
-              </a:lvl6pPr>
-              <a:lvl7pPr marL="2971800" indent="-228600" eaLnBrk="0" fontAlgn="base" hangingPunct="0">
-                <a:spcBef>
-                  <a:spcPct val="0"/>
-                </a:spcBef>
-                <a:spcAft>
-                  <a:spcPct val="0"/>
-                </a:spcAft>
-                <a:defRPr kumimoji="1">
-                  <a:solidFill>
-                    <a:schemeClr val="tx1"/>
-                  </a:solidFill>
-                  <a:latin typeface="Arial" panose="020B0604020202020204" pitchFamily="34" charset="0"/>
-                  <a:ea typeface="ＭＳ Ｐゴシック" panose="020B0600070205080204" pitchFamily="50" charset="-128"/>
-                </a:defRPr>
-              </a:lvl7pPr>
-              <a:lvl8pPr marL="3429000" indent="-228600" eaLnBrk="0" fontAlgn="base" hangingPunct="0">
-                <a:spcBef>
-                  <a:spcPct val="0"/>
-                </a:spcBef>
-                <a:spcAft>
-                  <a:spcPct val="0"/>
-                </a:spcAft>
-                <a:defRPr kumimoji="1">
-                  <a:solidFill>
-                    <a:schemeClr val="tx1"/>
-                  </a:solidFill>
-                  <a:latin typeface="Arial" panose="020B0604020202020204" pitchFamily="34" charset="0"/>
-                  <a:ea typeface="ＭＳ Ｐゴシック" panose="020B0600070205080204" pitchFamily="50" charset="-128"/>
-                </a:defRPr>
-              </a:lvl8pPr>
-              <a:lvl9pPr marL="3886200" indent="-228600" eaLnBrk="0" fontAlgn="base" hangingPunct="0">
-                <a:spcBef>
-                  <a:spcPct val="0"/>
-                </a:spcBef>
-                <a:spcAft>
-                  <a:spcPct val="0"/>
-                </a:spcAft>
-                <a:defRPr kumimoji="1">
-                  <a:solidFill>
-                    <a:schemeClr val="tx1"/>
-                  </a:solidFill>
-                  <a:latin typeface="Arial" panose="020B0604020202020204" pitchFamily="34" charset="0"/>
-                  <a:ea typeface="ＭＳ Ｐゴシック" panose="020B0600070205080204" pitchFamily="50" charset="-128"/>
-                </a:defRPr>
-              </a:lvl9pPr>
-            </a:lstStyle>
-            <a:p>
-              <a:r>
-                <a:rPr lang="ja-JP" altLang="en-US"/>
-                <a:t>涼しい</a:t>
-              </a:r>
-            </a:p>
-          </p:txBody>
-        </p:sp>
-        <p:sp>
-          <p:nvSpPr>
-            <p:cNvPr id="13335" name="テキスト ボックス 49"/>
-            <p:cNvSpPr txBox="1">
-              <a:spLocks noChangeArrowheads="1"/>
-            </p:cNvSpPr>
-            <p:nvPr/>
-          </p:nvSpPr>
-          <p:spPr bwMode="auto">
-            <a:xfrm>
-              <a:off x="667407" y="3027402"/>
-              <a:ext cx="633507" cy="369332"/>
-            </a:xfrm>
-            <a:prstGeom prst="rect">
-              <a:avLst/>
-            </a:prstGeom>
-            <a:noFill/>
-            <a:ln>
-              <a:noFill/>
-            </a:ln>
-            <a:extLst>
-              <a:ext uri="{909E8E84-426E-40DD-AFC4-6F175D3DCCD1}">
-                <a14:hiddenFill xmlns:a14="http://schemas.microsoft.com/office/drawing/2010/main">
-                  <a:solidFill>
-                    <a:srgbClr val="FFFFFF"/>
-                  </a:solidFill>
-                </a14:hiddenFill>
-              </a:ext>
-              <a:ext uri="{91240B29-F687-4F45-9708-019B960494DF}">
-                <a14:hiddenLine xmlns:a14="http://schemas.microsoft.com/office/drawing/2010/main" w="9525">
-                  <a:solidFill>
-                    <a:srgbClr val="000000"/>
-                  </a:solidFill>
-                  <a:miter lim="800000"/>
-                  <a:headEnd/>
-                  <a:tailEnd/>
-                </a14:hiddenLine>
-              </a:ext>
-            </a:extLst>
-          </p:spPr>
-          <p:txBody>
-            <a:bodyPr wrap="none">
-              <a:spAutoFit/>
-            </a:bodyPr>
-            <a:lstStyle>
-              <a:lvl1pPr>
-                <a:defRPr kumimoji="1">
-                  <a:solidFill>
-                    <a:schemeClr val="tx1"/>
-                  </a:solidFill>
-                  <a:latin typeface="Arial" panose="020B0604020202020204" pitchFamily="34" charset="0"/>
-                  <a:ea typeface="ＭＳ Ｐゴシック" panose="020B0600070205080204" pitchFamily="50" charset="-128"/>
-                </a:defRPr>
-              </a:lvl1pPr>
-              <a:lvl2pPr marL="742950" indent="-285750">
-                <a:defRPr kumimoji="1">
-                  <a:solidFill>
-                    <a:schemeClr val="tx1"/>
-                  </a:solidFill>
-                  <a:latin typeface="Arial" panose="020B0604020202020204" pitchFamily="34" charset="0"/>
-                  <a:ea typeface="ＭＳ Ｐゴシック" panose="020B0600070205080204" pitchFamily="50" charset="-128"/>
-                </a:defRPr>
-              </a:lvl2pPr>
-              <a:lvl3pPr marL="1143000" indent="-228600">
-                <a:defRPr kumimoji="1">
-                  <a:solidFill>
-                    <a:schemeClr val="tx1"/>
-                  </a:solidFill>
-                  <a:latin typeface="Arial" panose="020B0604020202020204" pitchFamily="34" charset="0"/>
-                  <a:ea typeface="ＭＳ Ｐゴシック" panose="020B0600070205080204" pitchFamily="50" charset="-128"/>
-                </a:defRPr>
-              </a:lvl3pPr>
-              <a:lvl4pPr marL="1600200" indent="-228600">
-                <a:defRPr kumimoji="1">
-                  <a:solidFill>
-                    <a:schemeClr val="tx1"/>
-                  </a:solidFill>
-                  <a:latin typeface="Arial" panose="020B0604020202020204" pitchFamily="34" charset="0"/>
-                  <a:ea typeface="ＭＳ Ｐゴシック" panose="020B0600070205080204" pitchFamily="50" charset="-128"/>
-                </a:defRPr>
-              </a:lvl4pPr>
-              <a:lvl5pPr marL="2057400" indent="-228600">
-                <a:defRPr kumimoji="1">
-                  <a:solidFill>
-                    <a:schemeClr val="tx1"/>
-                  </a:solidFill>
-                  <a:latin typeface="Arial" panose="020B0604020202020204" pitchFamily="34" charset="0"/>
-                  <a:ea typeface="ＭＳ Ｐゴシック" panose="020B0600070205080204" pitchFamily="50" charset="-128"/>
-                </a:defRPr>
-              </a:lvl5pPr>
-              <a:lvl6pPr marL="2514600" indent="-228600" eaLnBrk="0" fontAlgn="base" hangingPunct="0">
-                <a:spcBef>
-                  <a:spcPct val="0"/>
-                </a:spcBef>
-                <a:spcAft>
-                  <a:spcPct val="0"/>
-                </a:spcAft>
-                <a:defRPr kumimoji="1">
-                  <a:solidFill>
-                    <a:schemeClr val="tx1"/>
-                  </a:solidFill>
-                  <a:latin typeface="Arial" panose="020B0604020202020204" pitchFamily="34" charset="0"/>
-                  <a:ea typeface="ＭＳ Ｐゴシック" panose="020B0600070205080204" pitchFamily="50" charset="-128"/>
-                </a:defRPr>
-              </a:lvl6pPr>
-              <a:lvl7pPr marL="2971800" indent="-228600" eaLnBrk="0" fontAlgn="base" hangingPunct="0">
-                <a:spcBef>
-                  <a:spcPct val="0"/>
-                </a:spcBef>
-                <a:spcAft>
-                  <a:spcPct val="0"/>
-                </a:spcAft>
-                <a:defRPr kumimoji="1">
-                  <a:solidFill>
-                    <a:schemeClr val="tx1"/>
-                  </a:solidFill>
-                  <a:latin typeface="Arial" panose="020B0604020202020204" pitchFamily="34" charset="0"/>
-                  <a:ea typeface="ＭＳ Ｐゴシック" panose="020B0600070205080204" pitchFamily="50" charset="-128"/>
-                </a:defRPr>
-              </a:lvl7pPr>
-              <a:lvl8pPr marL="3429000" indent="-228600" eaLnBrk="0" fontAlgn="base" hangingPunct="0">
-                <a:spcBef>
-                  <a:spcPct val="0"/>
-                </a:spcBef>
-                <a:spcAft>
-                  <a:spcPct val="0"/>
-                </a:spcAft>
-                <a:defRPr kumimoji="1">
-                  <a:solidFill>
-                    <a:schemeClr val="tx1"/>
-                  </a:solidFill>
-                  <a:latin typeface="Arial" panose="020B0604020202020204" pitchFamily="34" charset="0"/>
-                  <a:ea typeface="ＭＳ Ｐゴシック" panose="020B0600070205080204" pitchFamily="50" charset="-128"/>
-                </a:defRPr>
-              </a:lvl8pPr>
-              <a:lvl9pPr marL="3886200" indent="-228600" eaLnBrk="0" fontAlgn="base" hangingPunct="0">
-                <a:spcBef>
-                  <a:spcPct val="0"/>
-                </a:spcBef>
-                <a:spcAft>
-                  <a:spcPct val="0"/>
-                </a:spcAft>
-                <a:defRPr kumimoji="1">
-                  <a:solidFill>
-                    <a:schemeClr val="tx1"/>
-                  </a:solidFill>
-                  <a:latin typeface="Arial" panose="020B0604020202020204" pitchFamily="34" charset="0"/>
-                  <a:ea typeface="ＭＳ Ｐゴシック" panose="020B0600070205080204" pitchFamily="50" charset="-128"/>
-                </a:defRPr>
-              </a:lvl9pPr>
-            </a:lstStyle>
-            <a:p>
-              <a:r>
-                <a:rPr lang="ja-JP" altLang="en-US"/>
-                <a:t>寒い</a:t>
-              </a:r>
-            </a:p>
-          </p:txBody>
-        </p:sp>
-      </p:grpSp>
-      <p:grpSp>
-        <p:nvGrpSpPr>
-          <p:cNvPr id="13323" name="グループ化 54"/>
-          <p:cNvGrpSpPr>
-            <a:grpSpLocks/>
-          </p:cNvGrpSpPr>
-          <p:nvPr/>
-        </p:nvGrpSpPr>
-        <p:grpSpPr bwMode="auto">
-          <a:xfrm>
-            <a:off x="7086600" y="973138"/>
-            <a:ext cx="3465513" cy="1905000"/>
-            <a:chOff x="667407" y="2286000"/>
-            <a:chExt cx="3465786" cy="1905000"/>
-          </a:xfrm>
-        </p:grpSpPr>
-        <p:grpSp>
-          <p:nvGrpSpPr>
-            <p:cNvPr id="13324" name="グループ化 55"/>
-            <p:cNvGrpSpPr>
-              <a:grpSpLocks/>
-            </p:cNvGrpSpPr>
-            <p:nvPr/>
-          </p:nvGrpSpPr>
-          <p:grpSpPr bwMode="auto">
-            <a:xfrm>
-              <a:off x="685800" y="2286000"/>
-              <a:ext cx="3447393" cy="1905000"/>
-              <a:chOff x="1124607" y="2667000"/>
-              <a:chExt cx="3447393" cy="1905000"/>
-            </a:xfrm>
-          </p:grpSpPr>
-          <p:sp>
-            <p:nvSpPr>
-              <p:cNvPr id="60" name="正方形/長方形 59"/>
-              <p:cNvSpPr/>
-              <p:nvPr/>
-            </p:nvSpPr>
-            <p:spPr>
-              <a:xfrm>
-                <a:off x="1144317" y="2667000"/>
-                <a:ext cx="3427683" cy="1905000"/>
-              </a:xfrm>
-              <a:prstGeom prst="rect">
-                <a:avLst/>
-              </a:prstGeom>
-            </p:spPr>
-            <p:style>
-              <a:lnRef idx="2">
-                <a:schemeClr val="accent1">
-                  <a:shade val="50000"/>
-                </a:schemeClr>
-              </a:lnRef>
-              <a:fillRef idx="1">
-                <a:schemeClr val="accent1"/>
-              </a:fillRef>
-              <a:effectRef idx="0">
-                <a:schemeClr val="accent1"/>
-              </a:effectRef>
-              <a:fontRef idx="minor">
-                <a:schemeClr val="lt1"/>
-              </a:fontRef>
-            </p:style>
-            <p:txBody>
-              <a:bodyPr anchor="ctr"/>
-              <a:lstStyle/>
-              <a:p>
-                <a:pPr algn="ctr">
-                  <a:defRPr/>
-                </a:pPr>
-                <a:endParaRPr lang="ja-JP" altLang="en-US"/>
-              </a:p>
-            </p:txBody>
-          </p:sp>
-          <p:sp>
-            <p:nvSpPr>
-              <p:cNvPr id="61" name="二等辺三角形 60"/>
-              <p:cNvSpPr/>
-              <p:nvPr/>
-            </p:nvSpPr>
-            <p:spPr>
-              <a:xfrm>
-                <a:off x="1125265" y="2667000"/>
-                <a:ext cx="3427683" cy="1905000"/>
-              </a:xfrm>
-              <a:prstGeom prst="triangle">
-                <a:avLst/>
-              </a:prstGeom>
-            </p:spPr>
-            <p:style>
-              <a:lnRef idx="2">
-                <a:schemeClr val="accent1">
-                  <a:shade val="50000"/>
-                </a:schemeClr>
-              </a:lnRef>
-              <a:fillRef idx="1">
-                <a:schemeClr val="accent1"/>
-              </a:fillRef>
-              <a:effectRef idx="0">
-                <a:schemeClr val="accent1"/>
-              </a:effectRef>
-              <a:fontRef idx="minor">
-                <a:schemeClr val="lt1"/>
-              </a:fontRef>
-            </p:style>
-            <p:txBody>
-              <a:bodyPr anchor="ctr"/>
-              <a:lstStyle/>
-              <a:p>
-                <a:pPr algn="ctr">
-                  <a:defRPr/>
-                </a:pPr>
-                <a:endParaRPr lang="ja-JP" altLang="en-US"/>
-              </a:p>
-            </p:txBody>
-          </p:sp>
-          <p:sp>
-            <p:nvSpPr>
-              <p:cNvPr id="62" name="二等辺三角形 61"/>
-              <p:cNvSpPr/>
-              <p:nvPr/>
-            </p:nvSpPr>
-            <p:spPr>
-              <a:xfrm>
-                <a:off x="1144317" y="2667000"/>
-                <a:ext cx="1674945" cy="1905000"/>
-              </a:xfrm>
-              <a:prstGeom prst="triangle">
-                <a:avLst>
-                  <a:gd name="adj" fmla="val 0"/>
-                </a:avLst>
-              </a:prstGeom>
-              <a:noFill/>
-            </p:spPr>
-            <p:style>
-              <a:lnRef idx="2">
-                <a:schemeClr val="accent1">
-                  <a:shade val="50000"/>
-                </a:schemeClr>
-              </a:lnRef>
-              <a:fillRef idx="1">
-                <a:schemeClr val="accent1"/>
-              </a:fillRef>
-              <a:effectRef idx="0">
-                <a:schemeClr val="accent1"/>
-              </a:effectRef>
-              <a:fontRef idx="minor">
-                <a:schemeClr val="lt1"/>
-              </a:fontRef>
-            </p:style>
-            <p:txBody>
-              <a:bodyPr anchor="ctr"/>
-              <a:lstStyle/>
-              <a:p>
-                <a:pPr algn="ctr">
-                  <a:defRPr/>
-                </a:pPr>
-                <a:endParaRPr lang="ja-JP" altLang="en-US"/>
-              </a:p>
-            </p:txBody>
-          </p:sp>
-          <p:sp>
-            <p:nvSpPr>
-              <p:cNvPr id="63" name="二等辺三角形 62"/>
-              <p:cNvSpPr/>
-              <p:nvPr/>
-            </p:nvSpPr>
-            <p:spPr>
-              <a:xfrm flipH="1">
-                <a:off x="2819262" y="2667000"/>
-                <a:ext cx="1752738" cy="1905000"/>
-              </a:xfrm>
-              <a:prstGeom prst="triangle">
-                <a:avLst>
-                  <a:gd name="adj" fmla="val 0"/>
-                </a:avLst>
-              </a:prstGeom>
-              <a:noFill/>
-            </p:spPr>
-            <p:style>
-              <a:lnRef idx="2">
-                <a:schemeClr val="accent1">
-                  <a:shade val="50000"/>
-                </a:schemeClr>
-              </a:lnRef>
-              <a:fillRef idx="1">
-                <a:schemeClr val="accent1"/>
-              </a:fillRef>
-              <a:effectRef idx="0">
-                <a:schemeClr val="accent1"/>
-              </a:effectRef>
-              <a:fontRef idx="minor">
-                <a:schemeClr val="lt1"/>
-              </a:fontRef>
-            </p:style>
-            <p:txBody>
-              <a:bodyPr anchor="ctr"/>
-              <a:lstStyle/>
-              <a:p>
-                <a:pPr algn="ctr">
-                  <a:defRPr/>
-                </a:pPr>
-                <a:endParaRPr lang="ja-JP" altLang="en-US"/>
-              </a:p>
-            </p:txBody>
-          </p:sp>
-        </p:grpSp>
-        <p:sp>
-          <p:nvSpPr>
-            <p:cNvPr id="13325" name="テキスト ボックス 56"/>
-            <p:cNvSpPr txBox="1">
-              <a:spLocks noChangeArrowheads="1"/>
-            </p:cNvSpPr>
-            <p:nvPr/>
-          </p:nvSpPr>
-          <p:spPr bwMode="auto">
-            <a:xfrm>
-              <a:off x="3477665" y="3053834"/>
-              <a:ext cx="633507" cy="369332"/>
-            </a:xfrm>
-            <a:prstGeom prst="rect">
-              <a:avLst/>
-            </a:prstGeom>
-            <a:noFill/>
-            <a:ln>
-              <a:noFill/>
-            </a:ln>
-            <a:extLst>
-              <a:ext uri="{909E8E84-426E-40DD-AFC4-6F175D3DCCD1}">
-                <a14:hiddenFill xmlns:a14="http://schemas.microsoft.com/office/drawing/2010/main">
-                  <a:solidFill>
-                    <a:srgbClr val="FFFFFF"/>
-                  </a:solidFill>
-                </a14:hiddenFill>
-              </a:ext>
-              <a:ext uri="{91240B29-F687-4F45-9708-019B960494DF}">
-                <a14:hiddenLine xmlns:a14="http://schemas.microsoft.com/office/drawing/2010/main" w="9525">
-                  <a:solidFill>
-                    <a:srgbClr val="000000"/>
-                  </a:solidFill>
-                  <a:miter lim="800000"/>
-                  <a:headEnd/>
-                  <a:tailEnd/>
-                </a14:hiddenLine>
-              </a:ext>
-            </a:extLst>
-          </p:spPr>
-          <p:txBody>
-            <a:bodyPr wrap="none">
-              <a:spAutoFit/>
-            </a:bodyPr>
-            <a:lstStyle>
-              <a:lvl1pPr>
-                <a:defRPr kumimoji="1">
-                  <a:solidFill>
-                    <a:schemeClr val="tx1"/>
-                  </a:solidFill>
-                  <a:latin typeface="Arial" panose="020B0604020202020204" pitchFamily="34" charset="0"/>
-                  <a:ea typeface="ＭＳ Ｐゴシック" panose="020B0600070205080204" pitchFamily="50" charset="-128"/>
-                </a:defRPr>
-              </a:lvl1pPr>
-              <a:lvl2pPr marL="742950" indent="-285750">
-                <a:defRPr kumimoji="1">
-                  <a:solidFill>
-                    <a:schemeClr val="tx1"/>
-                  </a:solidFill>
-                  <a:latin typeface="Arial" panose="020B0604020202020204" pitchFamily="34" charset="0"/>
-                  <a:ea typeface="ＭＳ Ｐゴシック" panose="020B0600070205080204" pitchFamily="50" charset="-128"/>
-                </a:defRPr>
-              </a:lvl2pPr>
-              <a:lvl3pPr marL="1143000" indent="-228600">
-                <a:defRPr kumimoji="1">
-                  <a:solidFill>
-                    <a:schemeClr val="tx1"/>
-                  </a:solidFill>
-                  <a:latin typeface="Arial" panose="020B0604020202020204" pitchFamily="34" charset="0"/>
-                  <a:ea typeface="ＭＳ Ｐゴシック" panose="020B0600070205080204" pitchFamily="50" charset="-128"/>
-                </a:defRPr>
-              </a:lvl3pPr>
-              <a:lvl4pPr marL="1600200" indent="-228600">
-                <a:defRPr kumimoji="1">
-                  <a:solidFill>
-                    <a:schemeClr val="tx1"/>
-                  </a:solidFill>
-                  <a:latin typeface="Arial" panose="020B0604020202020204" pitchFamily="34" charset="0"/>
-                  <a:ea typeface="ＭＳ Ｐゴシック" panose="020B0600070205080204" pitchFamily="50" charset="-128"/>
-                </a:defRPr>
-              </a:lvl4pPr>
-              <a:lvl5pPr marL="2057400" indent="-228600">
-                <a:defRPr kumimoji="1">
-                  <a:solidFill>
-                    <a:schemeClr val="tx1"/>
-                  </a:solidFill>
-                  <a:latin typeface="Arial" panose="020B0604020202020204" pitchFamily="34" charset="0"/>
-                  <a:ea typeface="ＭＳ Ｐゴシック" panose="020B0600070205080204" pitchFamily="50" charset="-128"/>
-                </a:defRPr>
-              </a:lvl5pPr>
-              <a:lvl6pPr marL="2514600" indent="-228600" eaLnBrk="0" fontAlgn="base" hangingPunct="0">
-                <a:spcBef>
-                  <a:spcPct val="0"/>
-                </a:spcBef>
-                <a:spcAft>
-                  <a:spcPct val="0"/>
-                </a:spcAft>
-                <a:defRPr kumimoji="1">
-                  <a:solidFill>
-                    <a:schemeClr val="tx1"/>
-                  </a:solidFill>
-                  <a:latin typeface="Arial" panose="020B0604020202020204" pitchFamily="34" charset="0"/>
-                  <a:ea typeface="ＭＳ Ｐゴシック" panose="020B0600070205080204" pitchFamily="50" charset="-128"/>
-                </a:defRPr>
-              </a:lvl6pPr>
-              <a:lvl7pPr marL="2971800" indent="-228600" eaLnBrk="0" fontAlgn="base" hangingPunct="0">
-                <a:spcBef>
-                  <a:spcPct val="0"/>
-                </a:spcBef>
-                <a:spcAft>
-                  <a:spcPct val="0"/>
-                </a:spcAft>
-                <a:defRPr kumimoji="1">
-                  <a:solidFill>
-                    <a:schemeClr val="tx1"/>
-                  </a:solidFill>
-                  <a:latin typeface="Arial" panose="020B0604020202020204" pitchFamily="34" charset="0"/>
-                  <a:ea typeface="ＭＳ Ｐゴシック" panose="020B0600070205080204" pitchFamily="50" charset="-128"/>
-                </a:defRPr>
-              </a:lvl7pPr>
-              <a:lvl8pPr marL="3429000" indent="-228600" eaLnBrk="0" fontAlgn="base" hangingPunct="0">
-                <a:spcBef>
-                  <a:spcPct val="0"/>
-                </a:spcBef>
-                <a:spcAft>
-                  <a:spcPct val="0"/>
-                </a:spcAft>
-                <a:defRPr kumimoji="1">
-                  <a:solidFill>
-                    <a:schemeClr val="tx1"/>
-                  </a:solidFill>
-                  <a:latin typeface="Arial" panose="020B0604020202020204" pitchFamily="34" charset="0"/>
-                  <a:ea typeface="ＭＳ Ｐゴシック" panose="020B0600070205080204" pitchFamily="50" charset="-128"/>
-                </a:defRPr>
-              </a:lvl8pPr>
-              <a:lvl9pPr marL="3886200" indent="-228600" eaLnBrk="0" fontAlgn="base" hangingPunct="0">
-                <a:spcBef>
-                  <a:spcPct val="0"/>
-                </a:spcBef>
-                <a:spcAft>
-                  <a:spcPct val="0"/>
-                </a:spcAft>
-                <a:defRPr kumimoji="1">
-                  <a:solidFill>
-                    <a:schemeClr val="tx1"/>
-                  </a:solidFill>
-                  <a:latin typeface="Arial" panose="020B0604020202020204" pitchFamily="34" charset="0"/>
-                  <a:ea typeface="ＭＳ Ｐゴシック" panose="020B0600070205080204" pitchFamily="50" charset="-128"/>
-                </a:defRPr>
-              </a:lvl9pPr>
-            </a:lstStyle>
-            <a:p>
-              <a:r>
-                <a:rPr lang="ja-JP" altLang="en-US"/>
-                <a:t>暑い</a:t>
-              </a:r>
-            </a:p>
-          </p:txBody>
-        </p:sp>
-        <p:sp>
-          <p:nvSpPr>
-            <p:cNvPr id="13326" name="テキスト ボックス 57"/>
-            <p:cNvSpPr txBox="1">
-              <a:spLocks noChangeArrowheads="1"/>
-            </p:cNvSpPr>
-            <p:nvPr/>
-          </p:nvSpPr>
-          <p:spPr bwMode="auto">
-            <a:xfrm>
-              <a:off x="2041634" y="3212068"/>
-              <a:ext cx="809837" cy="369332"/>
-            </a:xfrm>
-            <a:prstGeom prst="rect">
-              <a:avLst/>
-            </a:prstGeom>
-            <a:noFill/>
-            <a:ln>
-              <a:noFill/>
-            </a:ln>
-            <a:extLst>
-              <a:ext uri="{909E8E84-426E-40DD-AFC4-6F175D3DCCD1}">
-                <a14:hiddenFill xmlns:a14="http://schemas.microsoft.com/office/drawing/2010/main">
-                  <a:solidFill>
-                    <a:srgbClr val="FFFFFF"/>
-                  </a:solidFill>
-                </a14:hiddenFill>
-              </a:ext>
-              <a:ext uri="{91240B29-F687-4F45-9708-019B960494DF}">
-                <a14:hiddenLine xmlns:a14="http://schemas.microsoft.com/office/drawing/2010/main" w="9525">
-                  <a:solidFill>
-                    <a:srgbClr val="000000"/>
-                  </a:solidFill>
-                  <a:miter lim="800000"/>
-                  <a:headEnd/>
-                  <a:tailEnd/>
-                </a14:hiddenLine>
-              </a:ext>
-            </a:extLst>
-          </p:spPr>
-          <p:txBody>
-            <a:bodyPr wrap="none">
-              <a:spAutoFit/>
-            </a:bodyPr>
-            <a:lstStyle>
-              <a:lvl1pPr>
-                <a:defRPr kumimoji="1">
-                  <a:solidFill>
-                    <a:schemeClr val="tx1"/>
-                  </a:solidFill>
-                  <a:latin typeface="Arial" panose="020B0604020202020204" pitchFamily="34" charset="0"/>
-                  <a:ea typeface="ＭＳ Ｐゴシック" panose="020B0600070205080204" pitchFamily="50" charset="-128"/>
-                </a:defRPr>
-              </a:lvl1pPr>
-              <a:lvl2pPr marL="742950" indent="-285750">
-                <a:defRPr kumimoji="1">
-                  <a:solidFill>
-                    <a:schemeClr val="tx1"/>
-                  </a:solidFill>
-                  <a:latin typeface="Arial" panose="020B0604020202020204" pitchFamily="34" charset="0"/>
-                  <a:ea typeface="ＭＳ Ｐゴシック" panose="020B0600070205080204" pitchFamily="50" charset="-128"/>
-                </a:defRPr>
-              </a:lvl2pPr>
-              <a:lvl3pPr marL="1143000" indent="-228600">
-                <a:defRPr kumimoji="1">
-                  <a:solidFill>
-                    <a:schemeClr val="tx1"/>
-                  </a:solidFill>
-                  <a:latin typeface="Arial" panose="020B0604020202020204" pitchFamily="34" charset="0"/>
-                  <a:ea typeface="ＭＳ Ｐゴシック" panose="020B0600070205080204" pitchFamily="50" charset="-128"/>
-                </a:defRPr>
-              </a:lvl3pPr>
-              <a:lvl4pPr marL="1600200" indent="-228600">
-                <a:defRPr kumimoji="1">
-                  <a:solidFill>
-                    <a:schemeClr val="tx1"/>
-                  </a:solidFill>
-                  <a:latin typeface="Arial" panose="020B0604020202020204" pitchFamily="34" charset="0"/>
-                  <a:ea typeface="ＭＳ Ｐゴシック" panose="020B0600070205080204" pitchFamily="50" charset="-128"/>
-                </a:defRPr>
-              </a:lvl4pPr>
-              <a:lvl5pPr marL="2057400" indent="-228600">
-                <a:defRPr kumimoji="1">
-                  <a:solidFill>
-                    <a:schemeClr val="tx1"/>
-                  </a:solidFill>
-                  <a:latin typeface="Arial" panose="020B0604020202020204" pitchFamily="34" charset="0"/>
-                  <a:ea typeface="ＭＳ Ｐゴシック" panose="020B0600070205080204" pitchFamily="50" charset="-128"/>
-                </a:defRPr>
-              </a:lvl5pPr>
-              <a:lvl6pPr marL="2514600" indent="-228600" eaLnBrk="0" fontAlgn="base" hangingPunct="0">
-                <a:spcBef>
-                  <a:spcPct val="0"/>
-                </a:spcBef>
-                <a:spcAft>
-                  <a:spcPct val="0"/>
-                </a:spcAft>
-                <a:defRPr kumimoji="1">
-                  <a:solidFill>
-                    <a:schemeClr val="tx1"/>
-                  </a:solidFill>
-                  <a:latin typeface="Arial" panose="020B0604020202020204" pitchFamily="34" charset="0"/>
-                  <a:ea typeface="ＭＳ Ｐゴシック" panose="020B0600070205080204" pitchFamily="50" charset="-128"/>
-                </a:defRPr>
-              </a:lvl6pPr>
-              <a:lvl7pPr marL="2971800" indent="-228600" eaLnBrk="0" fontAlgn="base" hangingPunct="0">
-                <a:spcBef>
-                  <a:spcPct val="0"/>
-                </a:spcBef>
-                <a:spcAft>
-                  <a:spcPct val="0"/>
-                </a:spcAft>
-                <a:defRPr kumimoji="1">
-                  <a:solidFill>
-                    <a:schemeClr val="tx1"/>
-                  </a:solidFill>
-                  <a:latin typeface="Arial" panose="020B0604020202020204" pitchFamily="34" charset="0"/>
-                  <a:ea typeface="ＭＳ Ｐゴシック" panose="020B0600070205080204" pitchFamily="50" charset="-128"/>
-                </a:defRPr>
-              </a:lvl7pPr>
-              <a:lvl8pPr marL="3429000" indent="-228600" eaLnBrk="0" fontAlgn="base" hangingPunct="0">
-                <a:spcBef>
-                  <a:spcPct val="0"/>
-                </a:spcBef>
-                <a:spcAft>
-                  <a:spcPct val="0"/>
-                </a:spcAft>
-                <a:defRPr kumimoji="1">
-                  <a:solidFill>
-                    <a:schemeClr val="tx1"/>
-                  </a:solidFill>
-                  <a:latin typeface="Arial" panose="020B0604020202020204" pitchFamily="34" charset="0"/>
-                  <a:ea typeface="ＭＳ Ｐゴシック" panose="020B0600070205080204" pitchFamily="50" charset="-128"/>
-                </a:defRPr>
-              </a:lvl8pPr>
-              <a:lvl9pPr marL="3886200" indent="-228600" eaLnBrk="0" fontAlgn="base" hangingPunct="0">
-                <a:spcBef>
-                  <a:spcPct val="0"/>
-                </a:spcBef>
-                <a:spcAft>
-                  <a:spcPct val="0"/>
-                </a:spcAft>
-                <a:defRPr kumimoji="1">
-                  <a:solidFill>
-                    <a:schemeClr val="tx1"/>
-                  </a:solidFill>
-                  <a:latin typeface="Arial" panose="020B0604020202020204" pitchFamily="34" charset="0"/>
-                  <a:ea typeface="ＭＳ Ｐゴシック" panose="020B0600070205080204" pitchFamily="50" charset="-128"/>
-                </a:defRPr>
-              </a:lvl9pPr>
-            </a:lstStyle>
-            <a:p>
-              <a:r>
-                <a:rPr lang="ja-JP" altLang="en-US"/>
-                <a:t>涼しい</a:t>
-              </a:r>
-            </a:p>
-          </p:txBody>
-        </p:sp>
-        <p:sp>
-          <p:nvSpPr>
-            <p:cNvPr id="13327" name="テキスト ボックス 58"/>
-            <p:cNvSpPr txBox="1">
-              <a:spLocks noChangeArrowheads="1"/>
-            </p:cNvSpPr>
-            <p:nvPr/>
-          </p:nvSpPr>
-          <p:spPr bwMode="auto">
-            <a:xfrm>
-              <a:off x="667407" y="3027402"/>
-              <a:ext cx="633507" cy="369332"/>
-            </a:xfrm>
-            <a:prstGeom prst="rect">
-              <a:avLst/>
-            </a:prstGeom>
-            <a:noFill/>
-            <a:ln>
-              <a:noFill/>
-            </a:ln>
-            <a:extLst>
-              <a:ext uri="{909E8E84-426E-40DD-AFC4-6F175D3DCCD1}">
-                <a14:hiddenFill xmlns:a14="http://schemas.microsoft.com/office/drawing/2010/main">
-                  <a:solidFill>
-                    <a:srgbClr val="FFFFFF"/>
-                  </a:solidFill>
-                </a14:hiddenFill>
-              </a:ext>
-              <a:ext uri="{91240B29-F687-4F45-9708-019B960494DF}">
-                <a14:hiddenLine xmlns:a14="http://schemas.microsoft.com/office/drawing/2010/main" w="9525">
-                  <a:solidFill>
-                    <a:srgbClr val="000000"/>
-                  </a:solidFill>
-                  <a:miter lim="800000"/>
-                  <a:headEnd/>
-                  <a:tailEnd/>
-                </a14:hiddenLine>
-              </a:ext>
-            </a:extLst>
-          </p:spPr>
-          <p:txBody>
-            <a:bodyPr wrap="none">
-              <a:spAutoFit/>
-            </a:bodyPr>
-            <a:lstStyle>
-              <a:lvl1pPr>
-                <a:defRPr kumimoji="1">
-                  <a:solidFill>
-                    <a:schemeClr val="tx1"/>
-                  </a:solidFill>
-                  <a:latin typeface="Arial" panose="020B0604020202020204" pitchFamily="34" charset="0"/>
-                  <a:ea typeface="ＭＳ Ｐゴシック" panose="020B0600070205080204" pitchFamily="50" charset="-128"/>
-                </a:defRPr>
-              </a:lvl1pPr>
-              <a:lvl2pPr marL="742950" indent="-285750">
-                <a:defRPr kumimoji="1">
-                  <a:solidFill>
-                    <a:schemeClr val="tx1"/>
-                  </a:solidFill>
-                  <a:latin typeface="Arial" panose="020B0604020202020204" pitchFamily="34" charset="0"/>
-                  <a:ea typeface="ＭＳ Ｐゴシック" panose="020B0600070205080204" pitchFamily="50" charset="-128"/>
-                </a:defRPr>
-              </a:lvl2pPr>
-              <a:lvl3pPr marL="1143000" indent="-228600">
-                <a:defRPr kumimoji="1">
-                  <a:solidFill>
-                    <a:schemeClr val="tx1"/>
-                  </a:solidFill>
-                  <a:latin typeface="Arial" panose="020B0604020202020204" pitchFamily="34" charset="0"/>
-                  <a:ea typeface="ＭＳ Ｐゴシック" panose="020B0600070205080204" pitchFamily="50" charset="-128"/>
-                </a:defRPr>
-              </a:lvl3pPr>
-              <a:lvl4pPr marL="1600200" indent="-228600">
-                <a:defRPr kumimoji="1">
-                  <a:solidFill>
-                    <a:schemeClr val="tx1"/>
-                  </a:solidFill>
-                  <a:latin typeface="Arial" panose="020B0604020202020204" pitchFamily="34" charset="0"/>
-                  <a:ea typeface="ＭＳ Ｐゴシック" panose="020B0600070205080204" pitchFamily="50" charset="-128"/>
-                </a:defRPr>
-              </a:lvl4pPr>
-              <a:lvl5pPr marL="2057400" indent="-228600">
-                <a:defRPr kumimoji="1">
-                  <a:solidFill>
-                    <a:schemeClr val="tx1"/>
-                  </a:solidFill>
-                  <a:latin typeface="Arial" panose="020B0604020202020204" pitchFamily="34" charset="0"/>
-                  <a:ea typeface="ＭＳ Ｐゴシック" panose="020B0600070205080204" pitchFamily="50" charset="-128"/>
-                </a:defRPr>
-              </a:lvl5pPr>
-              <a:lvl6pPr marL="2514600" indent="-228600" eaLnBrk="0" fontAlgn="base" hangingPunct="0">
-                <a:spcBef>
-                  <a:spcPct val="0"/>
-                </a:spcBef>
-                <a:spcAft>
-                  <a:spcPct val="0"/>
-                </a:spcAft>
-                <a:defRPr kumimoji="1">
-                  <a:solidFill>
-                    <a:schemeClr val="tx1"/>
-                  </a:solidFill>
-                  <a:latin typeface="Arial" panose="020B0604020202020204" pitchFamily="34" charset="0"/>
-                  <a:ea typeface="ＭＳ Ｐゴシック" panose="020B0600070205080204" pitchFamily="50" charset="-128"/>
-                </a:defRPr>
-              </a:lvl6pPr>
-              <a:lvl7pPr marL="2971800" indent="-228600" eaLnBrk="0" fontAlgn="base" hangingPunct="0">
-                <a:spcBef>
-                  <a:spcPct val="0"/>
-                </a:spcBef>
-                <a:spcAft>
-                  <a:spcPct val="0"/>
-                </a:spcAft>
-                <a:defRPr kumimoji="1">
-                  <a:solidFill>
-                    <a:schemeClr val="tx1"/>
-                  </a:solidFill>
-                  <a:latin typeface="Arial" panose="020B0604020202020204" pitchFamily="34" charset="0"/>
-                  <a:ea typeface="ＭＳ Ｐゴシック" panose="020B0600070205080204" pitchFamily="50" charset="-128"/>
-                </a:defRPr>
-              </a:lvl7pPr>
-              <a:lvl8pPr marL="3429000" indent="-228600" eaLnBrk="0" fontAlgn="base" hangingPunct="0">
-                <a:spcBef>
-                  <a:spcPct val="0"/>
-                </a:spcBef>
-                <a:spcAft>
-                  <a:spcPct val="0"/>
-                </a:spcAft>
-                <a:defRPr kumimoji="1">
-                  <a:solidFill>
-                    <a:schemeClr val="tx1"/>
-                  </a:solidFill>
-                  <a:latin typeface="Arial" panose="020B0604020202020204" pitchFamily="34" charset="0"/>
-                  <a:ea typeface="ＭＳ Ｐゴシック" panose="020B0600070205080204" pitchFamily="50" charset="-128"/>
-                </a:defRPr>
-              </a:lvl8pPr>
-              <a:lvl9pPr marL="3886200" indent="-228600" eaLnBrk="0" fontAlgn="base" hangingPunct="0">
-                <a:spcBef>
-                  <a:spcPct val="0"/>
-                </a:spcBef>
-                <a:spcAft>
-                  <a:spcPct val="0"/>
-                </a:spcAft>
-                <a:defRPr kumimoji="1">
-                  <a:solidFill>
-                    <a:schemeClr val="tx1"/>
-                  </a:solidFill>
-                  <a:latin typeface="Arial" panose="020B0604020202020204" pitchFamily="34" charset="0"/>
-                  <a:ea typeface="ＭＳ Ｐゴシック" panose="020B0600070205080204" pitchFamily="50" charset="-128"/>
-                </a:defRPr>
-              </a:lvl9pPr>
-            </a:lstStyle>
-            <a:p>
-              <a:r>
-                <a:rPr lang="ja-JP" altLang="en-US"/>
-                <a:t>寒い</a:t>
-              </a:r>
-            </a:p>
-          </p:txBody>
-        </p:sp>
-      </p:grpSp>
     </p:spTree>
+    <p:extLst>
+      <p:ext uri="{BB962C8B-B14F-4D97-AF65-F5344CB8AC3E}">
+        <p14:creationId xmlns:p14="http://schemas.microsoft.com/office/powerpoint/2010/main" val="3018479920"/>
+      </p:ext>
+    </p:extLst>
   </p:cSld>
   <p:clrMapOvr>
     <a:masterClrMapping/>
@@ -19347,7 +17391,6 @@
               <a:rPr lang="ja-JP" altLang="en-US" dirty="0"/>
               <a:t>値</a:t>
             </a:r>
-            <a:endParaRPr lang="ja-JP" altLang="en-US" dirty="0"/>
           </a:p>
         </p:txBody>
       </p:sp>
@@ -20201,7 +18244,6 @@
               <a:rPr lang="ja-JP" altLang="en-US" dirty="0"/>
               <a:t>値</a:t>
             </a:r>
-            <a:endParaRPr lang="ja-JP" altLang="en-US" dirty="0"/>
           </a:p>
         </p:txBody>
       </p:sp>
